--- a/presentation.pptx
+++ b/presentation.pptx
@@ -2892,7 +2892,7 @@
         <p:spPr>
           <a:xfrm>
             <a:off x="0" y="3150000"/>
-            <a:ext cx="9719280" cy="1259280"/>
+            <a:ext cx="9718920" cy="1258920"/>
           </a:xfrm>
           <a:prstGeom prst="rect">
             <a:avLst/>
@@ -2923,8 +2923,8 @@
         </p:nvSpPr>
         <p:spPr>
           <a:xfrm>
-            <a:off x="360000" y="360000"/>
-            <a:ext cx="9359280" cy="899280"/>
+            <a:off x="504000" y="301320"/>
+            <a:ext cx="9072000" cy="1261800"/>
           </a:xfrm>
           <a:prstGeom prst="rect">
             <a:avLst/>
@@ -2935,13 +2935,14 @@
             <a:noAutofit/>
           </a:bodyPr>
           <a:p>
-            <a:r>
-              <a:rPr b="0" lang="it-IT" sz="1800" spc="-1" strike="noStrike">
+            <a:pPr algn="ctr"/>
+            <a:r>
+              <a:rPr b="0" lang="it-IT" sz="4400" spc="-1" strike="noStrike">
                 <a:latin typeface="Arial"/>
               </a:rPr>
               <a:t>Fai clic per modificare il formato del testo del titolo</a:t>
             </a:r>
-            <a:endParaRPr b="0" lang="it-IT" sz="1800" spc="-1" strike="noStrike">
+            <a:endParaRPr b="0" lang="it-IT" sz="4400" spc="-1" strike="noStrike">
               <a:latin typeface="Arial"/>
             </a:endParaRPr>
           </a:p>
@@ -2959,8 +2960,8 @@
         </p:nvSpPr>
         <p:spPr>
           <a:xfrm>
-            <a:off x="360000" y="1980000"/>
-            <a:ext cx="9179280" cy="4679280"/>
+            <a:off x="504000" y="1768680"/>
+            <a:ext cx="9072000" cy="4384080"/>
           </a:xfrm>
           <a:prstGeom prst="rect">
             <a:avLst/>
@@ -2983,12 +2984,12 @@
               <a:buChar char=""/>
             </a:pPr>
             <a:r>
-              <a:rPr b="0" lang="it-IT" sz="1800" spc="-1" strike="noStrike">
+              <a:rPr b="0" lang="it-IT" sz="3200" spc="-1" strike="noStrike">
                 <a:latin typeface="Arial"/>
               </a:rPr>
               <a:t>Fai clic per modificare il formato del testo della struttura</a:t>
             </a:r>
-            <a:endParaRPr b="0" lang="it-IT" sz="1800" spc="-1" strike="noStrike">
+            <a:endParaRPr b="0" lang="it-IT" sz="3200" spc="-1" strike="noStrike">
               <a:latin typeface="Arial"/>
             </a:endParaRPr>
           </a:p>
@@ -3005,12 +3006,12 @@
               <a:buChar char=""/>
             </a:pPr>
             <a:r>
-              <a:rPr b="0" lang="it-IT" sz="1800" spc="-1" strike="noStrike">
+              <a:rPr b="0" lang="it-IT" sz="2800" spc="-1" strike="noStrike">
                 <a:latin typeface="Arial"/>
               </a:rPr>
               <a:t>Secondo livello struttura</a:t>
             </a:r>
-            <a:endParaRPr b="0" lang="it-IT" sz="1800" spc="-1" strike="noStrike">
+            <a:endParaRPr b="0" lang="it-IT" sz="2800" spc="-1" strike="noStrike">
               <a:latin typeface="Arial"/>
             </a:endParaRPr>
           </a:p>
@@ -3027,12 +3028,12 @@
               <a:buChar char=""/>
             </a:pPr>
             <a:r>
-              <a:rPr b="0" lang="it-IT" sz="1800" spc="-1" strike="noStrike">
+              <a:rPr b="0" lang="it-IT" sz="2400" spc="-1" strike="noStrike">
                 <a:latin typeface="Arial"/>
               </a:rPr>
               <a:t>Terzo livello struttura</a:t>
             </a:r>
-            <a:endParaRPr b="0" lang="it-IT" sz="1800" spc="-1" strike="noStrike">
+            <a:endParaRPr b="0" lang="it-IT" sz="2400" spc="-1" strike="noStrike">
               <a:latin typeface="Arial"/>
             </a:endParaRPr>
           </a:p>
@@ -3049,12 +3050,12 @@
               <a:buChar char=""/>
             </a:pPr>
             <a:r>
-              <a:rPr b="0" lang="it-IT" sz="1800" spc="-1" strike="noStrike">
+              <a:rPr b="0" lang="it-IT" sz="2000" spc="-1" strike="noStrike">
                 <a:latin typeface="Arial"/>
               </a:rPr>
               <a:t>Quarto livello struttura</a:t>
             </a:r>
-            <a:endParaRPr b="0" lang="it-IT" sz="1800" spc="-1" strike="noStrike">
+            <a:endParaRPr b="0" lang="it-IT" sz="2000" spc="-1" strike="noStrike">
               <a:latin typeface="Arial"/>
             </a:endParaRPr>
           </a:p>
@@ -3071,12 +3072,12 @@
               <a:buChar char=""/>
             </a:pPr>
             <a:r>
-              <a:rPr b="0" lang="it-IT" sz="1800" spc="-1" strike="noStrike">
+              <a:rPr b="0" lang="it-IT" sz="2000" spc="-1" strike="noStrike">
                 <a:latin typeface="Arial"/>
               </a:rPr>
               <a:t>Quinto livello struttura</a:t>
             </a:r>
-            <a:endParaRPr b="0" lang="it-IT" sz="1800" spc="-1" strike="noStrike">
+            <a:endParaRPr b="0" lang="it-IT" sz="2000" spc="-1" strike="noStrike">
               <a:latin typeface="Arial"/>
             </a:endParaRPr>
           </a:p>
@@ -3093,12 +3094,12 @@
               <a:buChar char=""/>
             </a:pPr>
             <a:r>
-              <a:rPr b="0" lang="it-IT" sz="1800" spc="-1" strike="noStrike">
+              <a:rPr b="0" lang="it-IT" sz="2000" spc="-1" strike="noStrike">
                 <a:latin typeface="Arial"/>
               </a:rPr>
               <a:t>Sesto livello struttura</a:t>
             </a:r>
-            <a:endParaRPr b="0" lang="it-IT" sz="1800" spc="-1" strike="noStrike">
+            <a:endParaRPr b="0" lang="it-IT" sz="2000" spc="-1" strike="noStrike">
               <a:latin typeface="Arial"/>
             </a:endParaRPr>
           </a:p>
@@ -3115,12 +3116,12 @@
               <a:buChar char=""/>
             </a:pPr>
             <a:r>
-              <a:rPr b="0" lang="it-IT" sz="1800" spc="-1" strike="noStrike">
+              <a:rPr b="0" lang="it-IT" sz="2000" spc="-1" strike="noStrike">
                 <a:latin typeface="Arial"/>
               </a:rPr>
               <a:t>Settimo livello struttura</a:t>
             </a:r>
-            <a:endParaRPr b="0" lang="it-IT" sz="1800" spc="-1" strike="noStrike">
+            <a:endParaRPr b="0" lang="it-IT" sz="2000" spc="-1" strike="noStrike">
               <a:latin typeface="Arial"/>
             </a:endParaRPr>
           </a:p>
@@ -3172,7 +3173,7 @@
         <p:spPr>
           <a:xfrm>
             <a:off x="0" y="180000"/>
-            <a:ext cx="9719280" cy="1259280"/>
+            <a:ext cx="9718920" cy="1258920"/>
           </a:xfrm>
           <a:prstGeom prst="rect">
             <a:avLst/>
@@ -3200,7 +3201,7 @@
         <p:spPr>
           <a:xfrm>
             <a:off x="7560000" y="6840000"/>
-            <a:ext cx="2519280" cy="539280"/>
+            <a:ext cx="2518920" cy="538920"/>
           </a:xfrm>
           <a:prstGeom prst="rect">
             <a:avLst/>
@@ -3228,7 +3229,7 @@
         <p:spPr>
           <a:xfrm>
             <a:off x="900000" y="6840000"/>
-            <a:ext cx="6479280" cy="539280"/>
+            <a:ext cx="6478920" cy="538920"/>
           </a:xfrm>
           <a:prstGeom prst="rect">
             <a:avLst/>
@@ -3256,7 +3257,7 @@
         <p:spPr>
           <a:xfrm>
             <a:off x="180000" y="6840000"/>
-            <a:ext cx="539280" cy="539280"/>
+            <a:ext cx="538920" cy="538920"/>
           </a:xfrm>
           <a:prstGeom prst="rect">
             <a:avLst/>
@@ -3535,7 +3536,7 @@
         <p:spPr>
           <a:xfrm>
             <a:off x="360000" y="3330000"/>
-            <a:ext cx="9359280" cy="899280"/>
+            <a:ext cx="9358920" cy="898920"/>
           </a:xfrm>
           <a:prstGeom prst="rect">
             <a:avLst/>
@@ -3586,7 +3587,7 @@
         <p:spPr>
           <a:xfrm>
             <a:off x="540000" y="4680000"/>
-            <a:ext cx="9179280" cy="2519280"/>
+            <a:ext cx="9178920" cy="2518920"/>
           </a:xfrm>
           <a:prstGeom prst="rect">
             <a:avLst/>
@@ -3667,7 +3668,7 @@
         <p:spPr>
           <a:xfrm>
             <a:off x="360000" y="360000"/>
-            <a:ext cx="9359280" cy="899280"/>
+            <a:ext cx="9358920" cy="898920"/>
           </a:xfrm>
           <a:prstGeom prst="rect">
             <a:avLst/>
@@ -3718,7 +3719,7 @@
         <p:spPr>
           <a:xfrm>
             <a:off x="360000" y="1980000"/>
-            <a:ext cx="9179280" cy="4679280"/>
+            <a:ext cx="9178920" cy="4678920"/>
           </a:xfrm>
           <a:prstGeom prst="rect">
             <a:avLst/>
@@ -3848,7 +3849,7 @@
         <p:spPr>
           <a:xfrm>
             <a:off x="360000" y="360000"/>
-            <a:ext cx="9359280" cy="899280"/>
+            <a:ext cx="9358920" cy="898920"/>
           </a:xfrm>
           <a:prstGeom prst="rect">
             <a:avLst/>
@@ -3899,7 +3900,7 @@
         <p:spPr>
           <a:xfrm>
             <a:off x="360000" y="1980000"/>
-            <a:ext cx="9179280" cy="4679280"/>
+            <a:ext cx="9178920" cy="4678920"/>
           </a:xfrm>
           <a:prstGeom prst="rect">
             <a:avLst/>
@@ -4121,7 +4122,7 @@
         <p:spPr>
           <a:xfrm>
             <a:off x="360000" y="360000"/>
-            <a:ext cx="9359280" cy="899280"/>
+            <a:ext cx="9358920" cy="898920"/>
           </a:xfrm>
           <a:prstGeom prst="rect">
             <a:avLst/>
@@ -4172,7 +4173,7 @@
         <p:spPr>
           <a:xfrm>
             <a:off x="360000" y="1980000"/>
-            <a:ext cx="9179280" cy="4679280"/>
+            <a:ext cx="9178920" cy="4678920"/>
           </a:xfrm>
           <a:prstGeom prst="rect">
             <a:avLst/>
@@ -4566,7 +4567,7 @@
         <p:spPr>
           <a:xfrm>
             <a:off x="360000" y="360000"/>
-            <a:ext cx="9359280" cy="899280"/>
+            <a:ext cx="9358920" cy="898920"/>
           </a:xfrm>
           <a:prstGeom prst="rect">
             <a:avLst/>
@@ -4617,7 +4618,7 @@
         <p:spPr>
           <a:xfrm>
             <a:off x="360000" y="1980000"/>
-            <a:ext cx="9179280" cy="4679280"/>
+            <a:ext cx="9178920" cy="4678920"/>
           </a:xfrm>
           <a:prstGeom prst="rect">
             <a:avLst/>
@@ -5077,7 +5078,7 @@
         <p:spPr>
           <a:xfrm>
             <a:off x="360000" y="360000"/>
-            <a:ext cx="9359280" cy="899280"/>
+            <a:ext cx="9358920" cy="898920"/>
           </a:xfrm>
           <a:prstGeom prst="rect">
             <a:avLst/>
@@ -5128,7 +5129,7 @@
         <p:spPr>
           <a:xfrm>
             <a:off x="360000" y="1980000"/>
-            <a:ext cx="9179280" cy="4679280"/>
+            <a:ext cx="9178920" cy="4678920"/>
           </a:xfrm>
           <a:prstGeom prst="rect">
             <a:avLst/>
@@ -5616,7 +5617,7 @@
         <p:spPr>
           <a:xfrm>
             <a:off x="360000" y="360000"/>
-            <a:ext cx="9359280" cy="899280"/>
+            <a:ext cx="9358920" cy="898920"/>
           </a:xfrm>
           <a:prstGeom prst="rect">
             <a:avLst/>
@@ -5667,7 +5668,7 @@
         <p:spPr>
           <a:xfrm>
             <a:off x="360000" y="1980000"/>
-            <a:ext cx="9179280" cy="4679280"/>
+            <a:ext cx="9178920" cy="4678920"/>
           </a:xfrm>
           <a:prstGeom prst="rect">
             <a:avLst/>
@@ -5820,7 +5821,7 @@
         <p:spPr>
           <a:xfrm>
             <a:off x="360000" y="360000"/>
-            <a:ext cx="9359280" cy="899280"/>
+            <a:ext cx="9358920" cy="898920"/>
           </a:xfrm>
           <a:prstGeom prst="rect">
             <a:avLst/>
@@ -5871,7 +5872,7 @@
         <p:spPr>
           <a:xfrm>
             <a:off x="360000" y="1980000"/>
-            <a:ext cx="9179280" cy="4679280"/>
+            <a:ext cx="9178920" cy="4678920"/>
           </a:xfrm>
           <a:prstGeom prst="rect">
             <a:avLst/>
@@ -6384,7 +6385,7 @@
         <p:spPr>
           <a:xfrm>
             <a:off x="360000" y="360000"/>
-            <a:ext cx="9359280" cy="899280"/>
+            <a:ext cx="9358920" cy="898920"/>
           </a:xfrm>
           <a:prstGeom prst="rect">
             <a:avLst/>
@@ -6435,7 +6436,7 @@
         <p:spPr>
           <a:xfrm>
             <a:off x="360000" y="1980000"/>
-            <a:ext cx="9179280" cy="4679280"/>
+            <a:ext cx="9178920" cy="4678920"/>
           </a:xfrm>
           <a:prstGeom prst="rect">
             <a:avLst/>
@@ -6611,7 +6612,7 @@
         <p:spPr>
           <a:xfrm>
             <a:off x="360000" y="360000"/>
-            <a:ext cx="9359280" cy="899280"/>
+            <a:ext cx="9358920" cy="898920"/>
           </a:xfrm>
           <a:prstGeom prst="rect">
             <a:avLst/>
@@ -6662,7 +6663,7 @@
         <p:spPr>
           <a:xfrm>
             <a:off x="360000" y="1980000"/>
-            <a:ext cx="9179280" cy="4679280"/>
+            <a:ext cx="9178920" cy="4678920"/>
           </a:xfrm>
           <a:prstGeom prst="rect">
             <a:avLst/>
@@ -6977,7 +6978,7 @@
         <p:spPr>
           <a:xfrm>
             <a:off x="360000" y="360000"/>
-            <a:ext cx="9359280" cy="899280"/>
+            <a:ext cx="9358920" cy="898920"/>
           </a:xfrm>
           <a:prstGeom prst="rect">
             <a:avLst/>
@@ -7028,7 +7029,7 @@
         <p:spPr>
           <a:xfrm>
             <a:off x="360000" y="1980000"/>
-            <a:ext cx="9179280" cy="4679280"/>
+            <a:ext cx="9178920" cy="4678920"/>
           </a:xfrm>
           <a:prstGeom prst="rect">
             <a:avLst/>
@@ -7204,7 +7205,7 @@
         <p:spPr>
           <a:xfrm>
             <a:off x="360000" y="360000"/>
-            <a:ext cx="9359280" cy="899280"/>
+            <a:ext cx="9358920" cy="898920"/>
           </a:xfrm>
           <a:prstGeom prst="rect">
             <a:avLst/>
@@ -7255,7 +7256,7 @@
         <p:spPr>
           <a:xfrm>
             <a:off x="360000" y="1980000"/>
-            <a:ext cx="9179280" cy="4679280"/>
+            <a:ext cx="9178920" cy="4678920"/>
           </a:xfrm>
           <a:prstGeom prst="rect">
             <a:avLst/>
@@ -7431,7 +7432,7 @@
         <p:spPr>
           <a:xfrm>
             <a:off x="360000" y="360000"/>
-            <a:ext cx="9359280" cy="899280"/>
+            <a:ext cx="9358920" cy="898920"/>
           </a:xfrm>
           <a:prstGeom prst="rect">
             <a:avLst/>
@@ -7482,7 +7483,7 @@
         <p:spPr>
           <a:xfrm>
             <a:off x="360000" y="1980000"/>
-            <a:ext cx="9179280" cy="4679280"/>
+            <a:ext cx="9178920" cy="4678920"/>
           </a:xfrm>
           <a:prstGeom prst="rect">
             <a:avLst/>
@@ -7658,7 +7659,7 @@
         <p:spPr>
           <a:xfrm>
             <a:off x="360000" y="360000"/>
-            <a:ext cx="9359280" cy="899280"/>
+            <a:ext cx="9358920" cy="898920"/>
           </a:xfrm>
           <a:prstGeom prst="rect">
             <a:avLst/>
@@ -7709,7 +7710,7 @@
         <p:spPr>
           <a:xfrm>
             <a:off x="360000" y="1980000"/>
-            <a:ext cx="9179280" cy="4679280"/>
+            <a:ext cx="9178920" cy="4678920"/>
           </a:xfrm>
           <a:prstGeom prst="rect">
             <a:avLst/>
@@ -8174,7 +8175,7 @@
         <p:spPr>
           <a:xfrm>
             <a:off x="360000" y="360000"/>
-            <a:ext cx="9359280" cy="899280"/>
+            <a:ext cx="9358920" cy="898920"/>
           </a:xfrm>
           <a:prstGeom prst="rect">
             <a:avLst/>
@@ -8225,7 +8226,7 @@
         <p:spPr>
           <a:xfrm>
             <a:off x="360000" y="1980000"/>
-            <a:ext cx="9179280" cy="4679280"/>
+            <a:ext cx="9178920" cy="4678920"/>
           </a:xfrm>
           <a:prstGeom prst="rect">
             <a:avLst/>
@@ -8378,7 +8379,7 @@
         <p:spPr>
           <a:xfrm>
             <a:off x="360000" y="360000"/>
-            <a:ext cx="9359280" cy="899280"/>
+            <a:ext cx="9358920" cy="898920"/>
           </a:xfrm>
           <a:prstGeom prst="rect">
             <a:avLst/>
@@ -8429,7 +8430,7 @@
         <p:spPr>
           <a:xfrm>
             <a:off x="360000" y="1980000"/>
-            <a:ext cx="9179280" cy="4679280"/>
+            <a:ext cx="9178920" cy="4678920"/>
           </a:xfrm>
           <a:prstGeom prst="rect">
             <a:avLst/>
@@ -8628,7 +8629,7 @@
         <p:spPr>
           <a:xfrm>
             <a:off x="360000" y="360000"/>
-            <a:ext cx="9359280" cy="899280"/>
+            <a:ext cx="9358920" cy="898920"/>
           </a:xfrm>
           <a:prstGeom prst="rect">
             <a:avLst/>
@@ -8679,7 +8680,7 @@
         <p:spPr>
           <a:xfrm>
             <a:off x="360000" y="1980000"/>
-            <a:ext cx="9179280" cy="4679280"/>
+            <a:ext cx="9178920" cy="4678920"/>
           </a:xfrm>
           <a:prstGeom prst="rect">
             <a:avLst/>
@@ -8832,7 +8833,7 @@
         <p:spPr>
           <a:xfrm>
             <a:off x="360000" y="360000"/>
-            <a:ext cx="9359280" cy="899280"/>
+            <a:ext cx="9358920" cy="898920"/>
           </a:xfrm>
           <a:prstGeom prst="rect">
             <a:avLst/>
@@ -8883,7 +8884,7 @@
         <p:spPr>
           <a:xfrm>
             <a:off x="360000" y="1980000"/>
-            <a:ext cx="9179280" cy="4679280"/>
+            <a:ext cx="9178920" cy="4678920"/>
           </a:xfrm>
           <a:prstGeom prst="rect">
             <a:avLst/>
@@ -9371,7 +9372,7 @@
         <p:spPr>
           <a:xfrm>
             <a:off x="360000" y="360000"/>
-            <a:ext cx="9359280" cy="899280"/>
+            <a:ext cx="9358920" cy="898920"/>
           </a:xfrm>
           <a:prstGeom prst="rect">
             <a:avLst/>
@@ -9422,7 +9423,7 @@
         <p:spPr>
           <a:xfrm>
             <a:off x="360000" y="1980000"/>
-            <a:ext cx="9179280" cy="4679280"/>
+            <a:ext cx="9178920" cy="4678920"/>
           </a:xfrm>
           <a:prstGeom prst="rect">
             <a:avLst/>
@@ -9552,7 +9553,7 @@
         <p:spPr>
           <a:xfrm>
             <a:off x="360000" y="360000"/>
-            <a:ext cx="9359280" cy="899280"/>
+            <a:ext cx="9358920" cy="898920"/>
           </a:xfrm>
           <a:prstGeom prst="rect">
             <a:avLst/>
@@ -9603,7 +9604,7 @@
         <p:spPr>
           <a:xfrm>
             <a:off x="360000" y="1980000"/>
-            <a:ext cx="9179280" cy="4679280"/>
+            <a:ext cx="9178920" cy="4678920"/>
           </a:xfrm>
           <a:prstGeom prst="rect">
             <a:avLst/>
@@ -9779,7 +9780,7 @@
         <p:spPr>
           <a:xfrm>
             <a:off x="360000" y="360000"/>
-            <a:ext cx="9359280" cy="899280"/>
+            <a:ext cx="9358920" cy="898920"/>
           </a:xfrm>
           <a:prstGeom prst="rect">
             <a:avLst/>
@@ -9830,7 +9831,7 @@
         <p:spPr>
           <a:xfrm>
             <a:off x="360000" y="1980000"/>
-            <a:ext cx="9179280" cy="4679280"/>
+            <a:ext cx="9178920" cy="4678920"/>
           </a:xfrm>
           <a:prstGeom prst="rect">
             <a:avLst/>
@@ -10069,7 +10070,7 @@
         <p:spPr>
           <a:xfrm>
             <a:off x="360000" y="360000"/>
-            <a:ext cx="9359280" cy="899280"/>
+            <a:ext cx="9358920" cy="898920"/>
           </a:xfrm>
           <a:prstGeom prst="rect">
             <a:avLst/>
@@ -10120,7 +10121,7 @@
         <p:spPr>
           <a:xfrm>
             <a:off x="360000" y="1980000"/>
-            <a:ext cx="9179280" cy="4679280"/>
+            <a:ext cx="9178920" cy="4678920"/>
           </a:xfrm>
           <a:prstGeom prst="rect">
             <a:avLst/>
@@ -10585,7 +10586,7 @@
         <p:spPr>
           <a:xfrm>
             <a:off x="360000" y="360000"/>
-            <a:ext cx="9359280" cy="899280"/>
+            <a:ext cx="9358920" cy="898920"/>
           </a:xfrm>
           <a:prstGeom prst="rect">
             <a:avLst/>
@@ -10636,7 +10637,7 @@
         <p:spPr>
           <a:xfrm>
             <a:off x="360000" y="1980000"/>
-            <a:ext cx="9179280" cy="4679280"/>
+            <a:ext cx="9178920" cy="4678920"/>
           </a:xfrm>
           <a:prstGeom prst="rect">
             <a:avLst/>
@@ -10812,7 +10813,7 @@
         <p:spPr>
           <a:xfrm>
             <a:off x="360000" y="360000"/>
-            <a:ext cx="9359280" cy="899280"/>
+            <a:ext cx="9358920" cy="898920"/>
           </a:xfrm>
           <a:prstGeom prst="rect">
             <a:avLst/>
@@ -10863,7 +10864,7 @@
         <p:spPr>
           <a:xfrm>
             <a:off x="360000" y="1980000"/>
-            <a:ext cx="9179280" cy="4679280"/>
+            <a:ext cx="9178920" cy="4678920"/>
           </a:xfrm>
           <a:prstGeom prst="rect">
             <a:avLst/>
@@ -11305,7 +11306,7 @@
         <p:spPr>
           <a:xfrm>
             <a:off x="360000" y="360000"/>
-            <a:ext cx="9359280" cy="899280"/>
+            <a:ext cx="9358920" cy="898920"/>
           </a:xfrm>
           <a:prstGeom prst="rect">
             <a:avLst/>
@@ -11356,7 +11357,7 @@
         <p:spPr>
           <a:xfrm>
             <a:off x="360000" y="1980000"/>
-            <a:ext cx="9179280" cy="4679280"/>
+            <a:ext cx="9178920" cy="4678920"/>
           </a:xfrm>
           <a:prstGeom prst="rect">
             <a:avLst/>
@@ -11844,7 +11845,7 @@
         <p:spPr>
           <a:xfrm>
             <a:off x="360000" y="360000"/>
-            <a:ext cx="9359280" cy="899280"/>
+            <a:ext cx="9358920" cy="898920"/>
           </a:xfrm>
           <a:prstGeom prst="rect">
             <a:avLst/>
@@ -11895,7 +11896,7 @@
         <p:spPr>
           <a:xfrm>
             <a:off x="360000" y="1980000"/>
-            <a:ext cx="9179280" cy="4679280"/>
+            <a:ext cx="9178920" cy="4678920"/>
           </a:xfrm>
           <a:prstGeom prst="rect">
             <a:avLst/>
@@ -12025,7 +12026,7 @@
         <p:spPr>
           <a:xfrm>
             <a:off x="360000" y="360000"/>
-            <a:ext cx="9359280" cy="899280"/>
+            <a:ext cx="9358920" cy="898920"/>
           </a:xfrm>
           <a:prstGeom prst="rect">
             <a:avLst/>
@@ -12076,7 +12077,7 @@
         <p:spPr>
           <a:xfrm>
             <a:off x="360000" y="1980000"/>
-            <a:ext cx="9179280" cy="4679280"/>
+            <a:ext cx="9178920" cy="4678920"/>
           </a:xfrm>
           <a:prstGeom prst="rect">
             <a:avLst/>
@@ -12564,7 +12565,7 @@
         <p:spPr>
           <a:xfrm>
             <a:off x="360000" y="360000"/>
-            <a:ext cx="9359280" cy="899280"/>
+            <a:ext cx="9358920" cy="898920"/>
           </a:xfrm>
           <a:prstGeom prst="rect">
             <a:avLst/>
@@ -12615,7 +12616,7 @@
         <p:spPr>
           <a:xfrm>
             <a:off x="360000" y="1980000"/>
-            <a:ext cx="9179280" cy="4679280"/>
+            <a:ext cx="9178920" cy="4678920"/>
           </a:xfrm>
           <a:prstGeom prst="rect">
             <a:avLst/>
@@ -12897,7 +12898,7 @@
         <p:spPr>
           <a:xfrm>
             <a:off x="360000" y="360000"/>
-            <a:ext cx="9359280" cy="899280"/>
+            <a:ext cx="9358920" cy="898920"/>
           </a:xfrm>
           <a:prstGeom prst="rect">
             <a:avLst/>
@@ -12948,7 +12949,7 @@
         <p:spPr>
           <a:xfrm>
             <a:off x="360000" y="1980000"/>
-            <a:ext cx="9179280" cy="4679280"/>
+            <a:ext cx="9178920" cy="4678920"/>
           </a:xfrm>
           <a:prstGeom prst="rect">
             <a:avLst/>
@@ -13147,7 +13148,7 @@
         <p:spPr>
           <a:xfrm>
             <a:off x="360000" y="360000"/>
-            <a:ext cx="9359280" cy="899280"/>
+            <a:ext cx="9358920" cy="898920"/>
           </a:xfrm>
           <a:prstGeom prst="rect">
             <a:avLst/>
@@ -13198,7 +13199,7 @@
         <p:spPr>
           <a:xfrm>
             <a:off x="360000" y="1980000"/>
-            <a:ext cx="9179280" cy="4679280"/>
+            <a:ext cx="9178920" cy="4678920"/>
           </a:xfrm>
           <a:prstGeom prst="rect">
             <a:avLst/>
@@ -13778,7 +13779,7 @@
         <p:spPr>
           <a:xfrm>
             <a:off x="360000" y="360000"/>
-            <a:ext cx="9359280" cy="899280"/>
+            <a:ext cx="9358920" cy="898920"/>
           </a:xfrm>
           <a:prstGeom prst="rect">
             <a:avLst/>
@@ -13829,7 +13830,7 @@
         <p:spPr>
           <a:xfrm>
             <a:off x="360000" y="1980000"/>
-            <a:ext cx="9179280" cy="4679280"/>
+            <a:ext cx="9178920" cy="4678920"/>
           </a:xfrm>
           <a:prstGeom prst="rect">
             <a:avLst/>
@@ -14455,7 +14456,7 @@
         <p:spPr>
           <a:xfrm>
             <a:off x="360000" y="360000"/>
-            <a:ext cx="9359280" cy="899280"/>
+            <a:ext cx="9358920" cy="898920"/>
           </a:xfrm>
           <a:prstGeom prst="rect">
             <a:avLst/>
@@ -14506,7 +14507,7 @@
         <p:spPr>
           <a:xfrm>
             <a:off x="360000" y="1980000"/>
-            <a:ext cx="9179280" cy="4679280"/>
+            <a:ext cx="9178920" cy="4678920"/>
           </a:xfrm>
           <a:prstGeom prst="rect">
             <a:avLst/>
@@ -14636,7 +14637,7 @@
         <p:spPr>
           <a:xfrm>
             <a:off x="360000" y="360000"/>
-            <a:ext cx="9359280" cy="899280"/>
+            <a:ext cx="9358920" cy="898920"/>
           </a:xfrm>
           <a:prstGeom prst="rect">
             <a:avLst/>
@@ -14687,7 +14688,7 @@
         <p:spPr>
           <a:xfrm>
             <a:off x="360000" y="1980000"/>
-            <a:ext cx="9179280" cy="4679280"/>
+            <a:ext cx="9178920" cy="4678920"/>
           </a:xfrm>
           <a:prstGeom prst="rect">
             <a:avLst/>
@@ -14817,7 +14818,7 @@
         <p:spPr>
           <a:xfrm>
             <a:off x="360000" y="360000"/>
-            <a:ext cx="9359280" cy="899280"/>
+            <a:ext cx="9358920" cy="898920"/>
           </a:xfrm>
           <a:prstGeom prst="rect">
             <a:avLst/>
@@ -14868,7 +14869,7 @@
         <p:spPr>
           <a:xfrm>
             <a:off x="360000" y="1980000"/>
-            <a:ext cx="9179280" cy="4679280"/>
+            <a:ext cx="9178920" cy="4678920"/>
           </a:xfrm>
           <a:prstGeom prst="rect">
             <a:avLst/>
@@ -15090,7 +15091,7 @@
         <p:spPr>
           <a:xfrm>
             <a:off x="360000" y="360000"/>
-            <a:ext cx="9359280" cy="899280"/>
+            <a:ext cx="9358920" cy="898920"/>
           </a:xfrm>
           <a:prstGeom prst="rect">
             <a:avLst/>
@@ -15141,7 +15142,7 @@
         <p:spPr>
           <a:xfrm>
             <a:off x="360000" y="1980000"/>
-            <a:ext cx="9179280" cy="4679280"/>
+            <a:ext cx="9178920" cy="4678920"/>
           </a:xfrm>
           <a:prstGeom prst="rect">
             <a:avLst/>
@@ -15317,7 +15318,7 @@
         <p:spPr>
           <a:xfrm>
             <a:off x="360000" y="360000"/>
-            <a:ext cx="9359280" cy="899280"/>
+            <a:ext cx="9358920" cy="898920"/>
           </a:xfrm>
           <a:prstGeom prst="rect">
             <a:avLst/>
@@ -15368,7 +15369,7 @@
         <p:spPr>
           <a:xfrm>
             <a:off x="360000" y="1980000"/>
-            <a:ext cx="9179280" cy="4679280"/>
+            <a:ext cx="9178920" cy="4678920"/>
           </a:xfrm>
           <a:prstGeom prst="rect">
             <a:avLst/>
@@ -15856,7 +15857,7 @@
         <p:spPr>
           <a:xfrm>
             <a:off x="360000" y="360000"/>
-            <a:ext cx="9359280" cy="899280"/>
+            <a:ext cx="9358920" cy="898920"/>
           </a:xfrm>
           <a:prstGeom prst="rect">
             <a:avLst/>
@@ -15907,7 +15908,7 @@
         <p:spPr>
           <a:xfrm>
             <a:off x="360000" y="1980000"/>
-            <a:ext cx="9179280" cy="4679280"/>
+            <a:ext cx="9178920" cy="4678920"/>
           </a:xfrm>
           <a:prstGeom prst="rect">
             <a:avLst/>
@@ -16395,7 +16396,7 @@
         <p:spPr>
           <a:xfrm>
             <a:off x="360000" y="360000"/>
-            <a:ext cx="9359280" cy="899280"/>
+            <a:ext cx="9358920" cy="898920"/>
           </a:xfrm>
           <a:prstGeom prst="rect">
             <a:avLst/>
@@ -16446,7 +16447,7 @@
         <p:spPr>
           <a:xfrm>
             <a:off x="360000" y="1980000"/>
-            <a:ext cx="9179280" cy="4679280"/>
+            <a:ext cx="9178920" cy="4678920"/>
           </a:xfrm>
           <a:prstGeom prst="rect">
             <a:avLst/>
@@ -16622,7 +16623,7 @@
         <p:spPr>
           <a:xfrm>
             <a:off x="360000" y="360000"/>
-            <a:ext cx="9359280" cy="899280"/>
+            <a:ext cx="9358920" cy="898920"/>
           </a:xfrm>
           <a:prstGeom prst="rect">
             <a:avLst/>
@@ -16673,7 +16674,7 @@
         <p:spPr>
           <a:xfrm>
             <a:off x="360000" y="1980000"/>
-            <a:ext cx="9179280" cy="4679280"/>
+            <a:ext cx="9178920" cy="4678920"/>
           </a:xfrm>
           <a:prstGeom prst="rect">
             <a:avLst/>
@@ -17100,7 +17101,7 @@
         <p:spPr>
           <a:xfrm>
             <a:off x="360000" y="360000"/>
-            <a:ext cx="9359280" cy="899280"/>
+            <a:ext cx="9358920" cy="898920"/>
           </a:xfrm>
           <a:prstGeom prst="rect">
             <a:avLst/>
@@ -17151,7 +17152,7 @@
         <p:spPr>
           <a:xfrm>
             <a:off x="360000" y="1980000"/>
-            <a:ext cx="9179280" cy="4679280"/>
+            <a:ext cx="9178920" cy="4678920"/>
           </a:xfrm>
           <a:prstGeom prst="rect">
             <a:avLst/>
@@ -17304,7 +17305,7 @@
         <p:spPr>
           <a:xfrm>
             <a:off x="360000" y="360000"/>
-            <a:ext cx="9359280" cy="899280"/>
+            <a:ext cx="9358920" cy="898920"/>
           </a:xfrm>
           <a:prstGeom prst="rect">
             <a:avLst/>
@@ -17355,7 +17356,7 @@
         <p:spPr>
           <a:xfrm>
             <a:off x="360000" y="1980000"/>
-            <a:ext cx="9179280" cy="4679280"/>
+            <a:ext cx="9178920" cy="4678920"/>
           </a:xfrm>
           <a:prstGeom prst="rect">
             <a:avLst/>
@@ -17498,7 +17499,7 @@
         <p:spPr>
           <a:xfrm>
             <a:off x="360000" y="360000"/>
-            <a:ext cx="9359280" cy="899280"/>
+            <a:ext cx="9358920" cy="898920"/>
           </a:xfrm>
           <a:prstGeom prst="rect">
             <a:avLst/>
@@ -17549,7 +17550,7 @@
         <p:spPr>
           <a:xfrm>
             <a:off x="360000" y="1980000"/>
-            <a:ext cx="9179280" cy="4679280"/>
+            <a:ext cx="9178920" cy="4678920"/>
           </a:xfrm>
           <a:prstGeom prst="rect">
             <a:avLst/>
@@ -17679,7 +17680,7 @@
         <p:spPr>
           <a:xfrm>
             <a:off x="360000" y="360000"/>
-            <a:ext cx="9359280" cy="899280"/>
+            <a:ext cx="9358920" cy="898920"/>
           </a:xfrm>
           <a:prstGeom prst="rect">
             <a:avLst/>
@@ -17730,7 +17731,7 @@
         <p:spPr>
           <a:xfrm>
             <a:off x="360000" y="1980000"/>
-            <a:ext cx="9179280" cy="4679280"/>
+            <a:ext cx="9178920" cy="4678920"/>
           </a:xfrm>
           <a:prstGeom prst="rect">
             <a:avLst/>
@@ -17906,7 +17907,7 @@
         <p:spPr>
           <a:xfrm>
             <a:off x="360000" y="360000"/>
-            <a:ext cx="9359280" cy="899280"/>
+            <a:ext cx="9358920" cy="898920"/>
           </a:xfrm>
           <a:prstGeom prst="rect">
             <a:avLst/>
@@ -17957,7 +17958,7 @@
         <p:spPr>
           <a:xfrm>
             <a:off x="360000" y="1980000"/>
-            <a:ext cx="9179280" cy="4679280"/>
+            <a:ext cx="9178920" cy="4678920"/>
           </a:xfrm>
           <a:prstGeom prst="rect">
             <a:avLst/>
@@ -18133,7 +18134,7 @@
         <p:spPr>
           <a:xfrm>
             <a:off x="360000" y="360000"/>
-            <a:ext cx="9359280" cy="899280"/>
+            <a:ext cx="9358920" cy="898920"/>
           </a:xfrm>
           <a:prstGeom prst="rect">
             <a:avLst/>
@@ -18184,7 +18185,7 @@
         <p:spPr>
           <a:xfrm>
             <a:off x="360000" y="1980000"/>
-            <a:ext cx="9179280" cy="4679280"/>
+            <a:ext cx="9178920" cy="4678920"/>
           </a:xfrm>
           <a:prstGeom prst="rect">
             <a:avLst/>
@@ -18360,7 +18361,7 @@
         <p:spPr>
           <a:xfrm>
             <a:off x="360000" y="360000"/>
-            <a:ext cx="9359280" cy="899280"/>
+            <a:ext cx="9358920" cy="898920"/>
           </a:xfrm>
           <a:prstGeom prst="rect">
             <a:avLst/>
@@ -18411,7 +18412,7 @@
         <p:spPr>
           <a:xfrm>
             <a:off x="360000" y="1980000"/>
-            <a:ext cx="9179280" cy="4679280"/>
+            <a:ext cx="9178920" cy="4678920"/>
           </a:xfrm>
           <a:prstGeom prst="rect">
             <a:avLst/>
@@ -18934,7 +18935,7 @@
         <p:spPr>
           <a:xfrm>
             <a:off x="360000" y="360000"/>
-            <a:ext cx="9359280" cy="899280"/>
+            <a:ext cx="9358920" cy="898920"/>
           </a:xfrm>
           <a:prstGeom prst="rect">
             <a:avLst/>
@@ -18985,7 +18986,7 @@
         <p:spPr>
           <a:xfrm>
             <a:off x="360000" y="1980000"/>
-            <a:ext cx="9179280" cy="4679280"/>
+            <a:ext cx="9178920" cy="4678920"/>
           </a:xfrm>
           <a:prstGeom prst="rect">
             <a:avLst/>
@@ -19161,7 +19162,7 @@
         <p:spPr>
           <a:xfrm>
             <a:off x="360000" y="360000"/>
-            <a:ext cx="9359280" cy="899280"/>
+            <a:ext cx="9358920" cy="898920"/>
           </a:xfrm>
           <a:prstGeom prst="rect">
             <a:avLst/>
@@ -19212,7 +19213,7 @@
         <p:spPr>
           <a:xfrm>
             <a:off x="360000" y="1980000"/>
-            <a:ext cx="9179280" cy="4679280"/>
+            <a:ext cx="9178920" cy="4678920"/>
           </a:xfrm>
           <a:prstGeom prst="rect">
             <a:avLst/>
@@ -19388,7 +19389,7 @@
         <p:spPr>
           <a:xfrm>
             <a:off x="360000" y="360000"/>
-            <a:ext cx="9359280" cy="899280"/>
+            <a:ext cx="9358920" cy="898920"/>
           </a:xfrm>
           <a:prstGeom prst="rect">
             <a:avLst/>
@@ -19439,7 +19440,7 @@
         <p:spPr>
           <a:xfrm>
             <a:off x="360000" y="1980000"/>
-            <a:ext cx="9179280" cy="4679280"/>
+            <a:ext cx="9178920" cy="4678920"/>
           </a:xfrm>
           <a:prstGeom prst="rect">
             <a:avLst/>
@@ -19638,7 +19639,7 @@
         <p:spPr>
           <a:xfrm>
             <a:off x="360000" y="360000"/>
-            <a:ext cx="9359280" cy="899280"/>
+            <a:ext cx="9358920" cy="898920"/>
           </a:xfrm>
           <a:prstGeom prst="rect">
             <a:avLst/>
@@ -19689,7 +19690,7 @@
         <p:spPr>
           <a:xfrm>
             <a:off x="360000" y="1980000"/>
-            <a:ext cx="9179280" cy="4679280"/>
+            <a:ext cx="9178920" cy="4678920"/>
           </a:xfrm>
           <a:prstGeom prst="rect">
             <a:avLst/>
@@ -19852,7 +19853,7 @@
         <p:spPr>
           <a:xfrm>
             <a:off x="360000" y="360000"/>
-            <a:ext cx="9359280" cy="899280"/>
+            <a:ext cx="9358920" cy="898920"/>
           </a:xfrm>
           <a:prstGeom prst="rect">
             <a:avLst/>
@@ -19903,7 +19904,7 @@
         <p:spPr>
           <a:xfrm>
             <a:off x="360000" y="1980000"/>
-            <a:ext cx="9179280" cy="4679280"/>
+            <a:ext cx="9178920" cy="4678920"/>
           </a:xfrm>
           <a:prstGeom prst="rect">
             <a:avLst/>
@@ -20102,7 +20103,7 @@
         <p:spPr>
           <a:xfrm>
             <a:off x="360000" y="360000"/>
-            <a:ext cx="9359280" cy="899280"/>
+            <a:ext cx="9358920" cy="898920"/>
           </a:xfrm>
           <a:prstGeom prst="rect">
             <a:avLst/>
@@ -20153,7 +20154,7 @@
         <p:spPr>
           <a:xfrm>
             <a:off x="360000" y="1980000"/>
-            <a:ext cx="9179280" cy="4679280"/>
+            <a:ext cx="9178920" cy="4678920"/>
           </a:xfrm>
           <a:prstGeom prst="rect">
             <a:avLst/>
@@ -20352,7 +20353,7 @@
         <p:spPr>
           <a:xfrm>
             <a:off x="360000" y="360000"/>
-            <a:ext cx="9359280" cy="899280"/>
+            <a:ext cx="9358920" cy="898920"/>
           </a:xfrm>
           <a:prstGeom prst="rect">
             <a:avLst/>
@@ -20403,7 +20404,7 @@
         <p:spPr>
           <a:xfrm>
             <a:off x="360000" y="1980000"/>
-            <a:ext cx="9179280" cy="4679280"/>
+            <a:ext cx="9178920" cy="4678920"/>
           </a:xfrm>
           <a:prstGeom prst="rect">
             <a:avLst/>
@@ -20533,7 +20534,7 @@
         <p:spPr>
           <a:xfrm>
             <a:off x="360000" y="360000"/>
-            <a:ext cx="9359280" cy="899280"/>
+            <a:ext cx="9358920" cy="898920"/>
           </a:xfrm>
           <a:prstGeom prst="rect">
             <a:avLst/>
@@ -20584,7 +20585,7 @@
         <p:spPr>
           <a:xfrm>
             <a:off x="360000" y="1980000"/>
-            <a:ext cx="9179280" cy="4679280"/>
+            <a:ext cx="9178920" cy="4678920"/>
           </a:xfrm>
           <a:prstGeom prst="rect">
             <a:avLst/>
@@ -20899,7 +20900,7 @@
         <p:spPr>
           <a:xfrm>
             <a:off x="360000" y="360000"/>
-            <a:ext cx="9359280" cy="899280"/>
+            <a:ext cx="9358920" cy="898920"/>
           </a:xfrm>
           <a:prstGeom prst="rect">
             <a:avLst/>
@@ -20950,7 +20951,7 @@
         <p:spPr>
           <a:xfrm>
             <a:off x="360000" y="1980000"/>
-            <a:ext cx="9179280" cy="4679280"/>
+            <a:ext cx="9178920" cy="4678920"/>
           </a:xfrm>
           <a:prstGeom prst="rect">
             <a:avLst/>
@@ -21149,7 +21150,7 @@
         <p:spPr>
           <a:xfrm>
             <a:off x="360000" y="360000"/>
-            <a:ext cx="9359280" cy="899280"/>
+            <a:ext cx="9358920" cy="898920"/>
           </a:xfrm>
           <a:prstGeom prst="rect">
             <a:avLst/>
@@ -21200,7 +21201,7 @@
         <p:spPr>
           <a:xfrm>
             <a:off x="360000" y="1980000"/>
-            <a:ext cx="9179280" cy="4679280"/>
+            <a:ext cx="9178920" cy="4678920"/>
           </a:xfrm>
           <a:prstGeom prst="rect">
             <a:avLst/>
@@ -21472,7 +21473,7 @@
         <p:spPr>
           <a:xfrm>
             <a:off x="360000" y="360000"/>
-            <a:ext cx="9359280" cy="899280"/>
+            <a:ext cx="9358920" cy="898920"/>
           </a:xfrm>
           <a:prstGeom prst="rect">
             <a:avLst/>
@@ -21523,7 +21524,7 @@
         <p:spPr>
           <a:xfrm>
             <a:off x="360000" y="1980000"/>
-            <a:ext cx="9179280" cy="4679280"/>
+            <a:ext cx="9178920" cy="4678920"/>
           </a:xfrm>
           <a:prstGeom prst="rect">
             <a:avLst/>
@@ -21861,7 +21862,7 @@
         <p:spPr>
           <a:xfrm>
             <a:off x="360000" y="360000"/>
-            <a:ext cx="9359280" cy="899280"/>
+            <a:ext cx="9358920" cy="898920"/>
           </a:xfrm>
           <a:prstGeom prst="rect">
             <a:avLst/>
@@ -21912,7 +21913,7 @@
         <p:spPr>
           <a:xfrm>
             <a:off x="360000" y="1980000"/>
-            <a:ext cx="9179280" cy="4679280"/>
+            <a:ext cx="9178920" cy="4678920"/>
           </a:xfrm>
           <a:prstGeom prst="rect">
             <a:avLst/>
@@ -22197,7 +22198,7 @@
         <p:spPr>
           <a:xfrm>
             <a:off x="360000" y="360000"/>
-            <a:ext cx="9359280" cy="899280"/>
+            <a:ext cx="9358920" cy="898920"/>
           </a:xfrm>
           <a:prstGeom prst="rect">
             <a:avLst/>
@@ -22248,7 +22249,7 @@
         <p:spPr>
           <a:xfrm>
             <a:off x="360000" y="1980000"/>
-            <a:ext cx="9179280" cy="4679280"/>
+            <a:ext cx="9178920" cy="4678920"/>
           </a:xfrm>
           <a:prstGeom prst="rect">
             <a:avLst/>
@@ -22447,7 +22448,7 @@
         <p:spPr>
           <a:xfrm>
             <a:off x="360000" y="360000"/>
-            <a:ext cx="9359280" cy="899280"/>
+            <a:ext cx="9358920" cy="898920"/>
           </a:xfrm>
           <a:prstGeom prst="rect">
             <a:avLst/>
@@ -22498,7 +22499,7 @@
         <p:spPr>
           <a:xfrm>
             <a:off x="360000" y="1980000"/>
-            <a:ext cx="9179280" cy="4679280"/>
+            <a:ext cx="9178920" cy="4678920"/>
           </a:xfrm>
           <a:prstGeom prst="rect">
             <a:avLst/>
@@ -22674,7 +22675,7 @@
         <p:spPr>
           <a:xfrm>
             <a:off x="360000" y="360000"/>
-            <a:ext cx="9359280" cy="899280"/>
+            <a:ext cx="9358920" cy="898920"/>
           </a:xfrm>
           <a:prstGeom prst="rect">
             <a:avLst/>
@@ -22725,7 +22726,7 @@
         <p:spPr>
           <a:xfrm>
             <a:off x="360000" y="1980000"/>
-            <a:ext cx="9179280" cy="4679280"/>
+            <a:ext cx="9178920" cy="4678920"/>
           </a:xfrm>
           <a:prstGeom prst="rect">
             <a:avLst/>
@@ -22901,7 +22902,7 @@
         <p:spPr>
           <a:xfrm>
             <a:off x="360000" y="360000"/>
-            <a:ext cx="9359280" cy="899280"/>
+            <a:ext cx="9358920" cy="898920"/>
           </a:xfrm>
           <a:prstGeom prst="rect">
             <a:avLst/>
@@ -22952,7 +22953,7 @@
         <p:spPr>
           <a:xfrm>
             <a:off x="360000" y="1980000"/>
-            <a:ext cx="9179280" cy="4679280"/>
+            <a:ext cx="9178920" cy="4678920"/>
           </a:xfrm>
           <a:prstGeom prst="rect">
             <a:avLst/>
@@ -23105,7 +23106,7 @@
         <p:spPr>
           <a:xfrm>
             <a:off x="360000" y="360000"/>
-            <a:ext cx="9359280" cy="899280"/>
+            <a:ext cx="9358920" cy="898920"/>
           </a:xfrm>
           <a:prstGeom prst="rect">
             <a:avLst/>
@@ -23156,7 +23157,7 @@
         <p:spPr>
           <a:xfrm>
             <a:off x="360000" y="1980000"/>
-            <a:ext cx="9179280" cy="4679280"/>
+            <a:ext cx="9178920" cy="4678920"/>
           </a:xfrm>
           <a:prstGeom prst="rect">
             <a:avLst/>
@@ -23532,7 +23533,7 @@
         <p:spPr>
           <a:xfrm>
             <a:off x="360000" y="360000"/>
-            <a:ext cx="9359280" cy="899280"/>
+            <a:ext cx="9358920" cy="898920"/>
           </a:xfrm>
           <a:prstGeom prst="rect">
             <a:avLst/>
@@ -23583,7 +23584,7 @@
         <p:spPr>
           <a:xfrm>
             <a:off x="360000" y="1980000"/>
-            <a:ext cx="9179280" cy="4679280"/>
+            <a:ext cx="9178920" cy="4678920"/>
           </a:xfrm>
           <a:prstGeom prst="rect">
             <a:avLst/>
@@ -23782,7 +23783,7 @@
         <p:spPr>
           <a:xfrm>
             <a:off x="360000" y="360000"/>
-            <a:ext cx="9359280" cy="899280"/>
+            <a:ext cx="9358920" cy="898920"/>
           </a:xfrm>
           <a:prstGeom prst="rect">
             <a:avLst/>
@@ -23833,7 +23834,7 @@
         <p:spPr>
           <a:xfrm>
             <a:off x="360000" y="1980000"/>
-            <a:ext cx="9179280" cy="4679280"/>
+            <a:ext cx="9178920" cy="4678920"/>
           </a:xfrm>
           <a:prstGeom prst="rect">
             <a:avLst/>
@@ -24032,7 +24033,7 @@
         <p:spPr>
           <a:xfrm>
             <a:off x="360000" y="360000"/>
-            <a:ext cx="9359280" cy="899280"/>
+            <a:ext cx="9358920" cy="898920"/>
           </a:xfrm>
           <a:prstGeom prst="rect">
             <a:avLst/>
@@ -24083,7 +24084,7 @@
         <p:spPr>
           <a:xfrm>
             <a:off x="360000" y="1980000"/>
-            <a:ext cx="9179280" cy="4679280"/>
+            <a:ext cx="9178920" cy="4678920"/>
           </a:xfrm>
           <a:prstGeom prst="rect">
             <a:avLst/>
@@ -24259,7 +24260,7 @@
         <p:spPr>
           <a:xfrm>
             <a:off x="360000" y="360000"/>
-            <a:ext cx="9359280" cy="899280"/>
+            <a:ext cx="9358920" cy="898920"/>
           </a:xfrm>
           <a:prstGeom prst="rect">
             <a:avLst/>
@@ -24310,7 +24311,7 @@
         <p:spPr>
           <a:xfrm>
             <a:off x="360000" y="1980000"/>
-            <a:ext cx="9179280" cy="4679280"/>
+            <a:ext cx="9178920" cy="4678920"/>
           </a:xfrm>
           <a:prstGeom prst="rect">
             <a:avLst/>
@@ -24463,7 +24464,7 @@
         <p:spPr>
           <a:xfrm>
             <a:off x="360000" y="360000"/>
-            <a:ext cx="9359280" cy="899280"/>
+            <a:ext cx="9358920" cy="898920"/>
           </a:xfrm>
           <a:prstGeom prst="rect">
             <a:avLst/>
@@ -24514,7 +24515,7 @@
         <p:spPr>
           <a:xfrm>
             <a:off x="360000" y="1980000"/>
-            <a:ext cx="9179280" cy="4679280"/>
+            <a:ext cx="9178920" cy="4678920"/>
           </a:xfrm>
           <a:prstGeom prst="rect">
             <a:avLst/>
@@ -24799,7 +24800,7 @@
         <p:spPr>
           <a:xfrm>
             <a:off x="360000" y="360000"/>
-            <a:ext cx="9359280" cy="899280"/>
+            <a:ext cx="9358920" cy="898920"/>
           </a:xfrm>
           <a:prstGeom prst="rect">
             <a:avLst/>
@@ -24850,7 +24851,7 @@
         <p:spPr>
           <a:xfrm>
             <a:off x="360000" y="1980000"/>
-            <a:ext cx="9179280" cy="4679280"/>
+            <a:ext cx="9178920" cy="4678920"/>
           </a:xfrm>
           <a:prstGeom prst="rect">
             <a:avLst/>
@@ -25152,7 +25153,7 @@
         <p:spPr>
           <a:xfrm>
             <a:off x="360000" y="360000"/>
-            <a:ext cx="9359280" cy="899280"/>
+            <a:ext cx="9358920" cy="898920"/>
           </a:xfrm>
           <a:prstGeom prst="rect">
             <a:avLst/>
@@ -25203,7 +25204,7 @@
         <p:spPr>
           <a:xfrm>
             <a:off x="360000" y="1980000"/>
-            <a:ext cx="9179280" cy="4679280"/>
+            <a:ext cx="9178920" cy="4678920"/>
           </a:xfrm>
           <a:prstGeom prst="rect">
             <a:avLst/>
@@ -25517,7 +25518,7 @@
         <p:spPr>
           <a:xfrm>
             <a:off x="360000" y="360000"/>
-            <a:ext cx="9359280" cy="899280"/>
+            <a:ext cx="9358920" cy="898920"/>
           </a:xfrm>
           <a:prstGeom prst="rect">
             <a:avLst/>
@@ -25568,7 +25569,7 @@
         <p:spPr>
           <a:xfrm>
             <a:off x="360000" y="1980000"/>
-            <a:ext cx="9179280" cy="4679280"/>
+            <a:ext cx="9178920" cy="4678920"/>
           </a:xfrm>
           <a:prstGeom prst="rect">
             <a:avLst/>
@@ -25744,7 +25745,7 @@
         <p:spPr>
           <a:xfrm>
             <a:off x="360000" y="360000"/>
-            <a:ext cx="9359280" cy="899280"/>
+            <a:ext cx="9358920" cy="898920"/>
           </a:xfrm>
           <a:prstGeom prst="rect">
             <a:avLst/>
@@ -25795,7 +25796,7 @@
         <p:spPr>
           <a:xfrm>
             <a:off x="360000" y="1980000"/>
-            <a:ext cx="9179280" cy="4679280"/>
+            <a:ext cx="9178920" cy="4678920"/>
           </a:xfrm>
           <a:prstGeom prst="rect">
             <a:avLst/>
@@ -25971,7 +25972,7 @@
         <p:spPr>
           <a:xfrm>
             <a:off x="360000" y="360000"/>
-            <a:ext cx="9359280" cy="899280"/>
+            <a:ext cx="9358920" cy="898920"/>
           </a:xfrm>
           <a:prstGeom prst="rect">
             <a:avLst/>
@@ -26022,7 +26023,7 @@
         <p:spPr>
           <a:xfrm>
             <a:off x="360000" y="1980000"/>
-            <a:ext cx="9179280" cy="4679280"/>
+            <a:ext cx="9178920" cy="4678920"/>
           </a:xfrm>
           <a:prstGeom prst="rect">
             <a:avLst/>
@@ -26221,7 +26222,7 @@
         <p:spPr>
           <a:xfrm>
             <a:off x="360000" y="360000"/>
-            <a:ext cx="9359280" cy="899280"/>
+            <a:ext cx="9358920" cy="898920"/>
           </a:xfrm>
           <a:prstGeom prst="rect">
             <a:avLst/>
@@ -26272,7 +26273,7 @@
         <p:spPr>
           <a:xfrm>
             <a:off x="360000" y="1980000"/>
-            <a:ext cx="9179280" cy="4679280"/>
+            <a:ext cx="9178920" cy="4678920"/>
           </a:xfrm>
           <a:prstGeom prst="rect">
             <a:avLst/>
@@ -26471,7 +26472,7 @@
         <p:spPr>
           <a:xfrm>
             <a:off x="360000" y="360000"/>
-            <a:ext cx="9359280" cy="899280"/>
+            <a:ext cx="9358920" cy="898920"/>
           </a:xfrm>
           <a:prstGeom prst="rect">
             <a:avLst/>
@@ -26522,7 +26523,7 @@
         <p:spPr>
           <a:xfrm>
             <a:off x="360000" y="1980000"/>
-            <a:ext cx="9179280" cy="4679280"/>
+            <a:ext cx="9178920" cy="4678920"/>
           </a:xfrm>
           <a:prstGeom prst="rect">
             <a:avLst/>
@@ -26744,7 +26745,7 @@
         <p:spPr>
           <a:xfrm>
             <a:off x="360000" y="360000"/>
-            <a:ext cx="9359280" cy="899280"/>
+            <a:ext cx="9358920" cy="898920"/>
           </a:xfrm>
           <a:prstGeom prst="rect">
             <a:avLst/>
@@ -26795,7 +26796,7 @@
         <p:spPr>
           <a:xfrm>
             <a:off x="360000" y="1980000"/>
-            <a:ext cx="9179280" cy="4679280"/>
+            <a:ext cx="9178920" cy="4678920"/>
           </a:xfrm>
           <a:prstGeom prst="rect">
             <a:avLst/>
@@ -26948,7 +26949,7 @@
         <p:spPr>
           <a:xfrm>
             <a:off x="360000" y="360000"/>
-            <a:ext cx="9359280" cy="899280"/>
+            <a:ext cx="9358920" cy="898920"/>
           </a:xfrm>
           <a:prstGeom prst="rect">
             <a:avLst/>
@@ -26999,7 +27000,7 @@
         <p:spPr>
           <a:xfrm>
             <a:off x="360000" y="1980000"/>
-            <a:ext cx="9179280" cy="4679280"/>
+            <a:ext cx="9178920" cy="4678920"/>
           </a:xfrm>
           <a:prstGeom prst="rect">
             <a:avLst/>
@@ -27317,7 +27318,7 @@
         <p:spPr>
           <a:xfrm>
             <a:off x="360000" y="360000"/>
-            <a:ext cx="9359280" cy="899280"/>
+            <a:ext cx="9358920" cy="898920"/>
           </a:xfrm>
           <a:prstGeom prst="rect">
             <a:avLst/>
@@ -27368,7 +27369,7 @@
         <p:spPr>
           <a:xfrm>
             <a:off x="360000" y="1980000"/>
-            <a:ext cx="9179280" cy="4679280"/>
+            <a:ext cx="9178920" cy="4678920"/>
           </a:xfrm>
           <a:prstGeom prst="rect">
             <a:avLst/>
@@ -27498,7 +27499,7 @@
         <p:spPr>
           <a:xfrm>
             <a:off x="360000" y="360000"/>
-            <a:ext cx="9359280" cy="899280"/>
+            <a:ext cx="9358920" cy="898920"/>
           </a:xfrm>
           <a:prstGeom prst="rect">
             <a:avLst/>
@@ -27549,7 +27550,7 @@
         <p:spPr>
           <a:xfrm>
             <a:off x="360000" y="1980000"/>
-            <a:ext cx="9179280" cy="4679280"/>
+            <a:ext cx="9178920" cy="4678920"/>
           </a:xfrm>
           <a:prstGeom prst="rect">
             <a:avLst/>
@@ -27877,7 +27878,7 @@
         <p:spPr>
           <a:xfrm>
             <a:off x="360000" y="360000"/>
-            <a:ext cx="9359280" cy="899280"/>
+            <a:ext cx="9358920" cy="898920"/>
           </a:xfrm>
           <a:prstGeom prst="rect">
             <a:avLst/>
@@ -27928,7 +27929,7 @@
         <p:spPr>
           <a:xfrm>
             <a:off x="360000" y="1980000"/>
-            <a:ext cx="9179280" cy="4679280"/>
+            <a:ext cx="9178920" cy="4678920"/>
           </a:xfrm>
           <a:prstGeom prst="rect">
             <a:avLst/>
@@ -28127,7 +28128,7 @@
         <p:spPr>
           <a:xfrm>
             <a:off x="360000" y="360000"/>
-            <a:ext cx="9359280" cy="899280"/>
+            <a:ext cx="9358920" cy="898920"/>
           </a:xfrm>
           <a:prstGeom prst="rect">
             <a:avLst/>
@@ -28178,7 +28179,7 @@
         <p:spPr>
           <a:xfrm>
             <a:off x="360000" y="1980000"/>
-            <a:ext cx="9179280" cy="4679280"/>
+            <a:ext cx="9178920" cy="4678920"/>
           </a:xfrm>
           <a:prstGeom prst="rect">
             <a:avLst/>
@@ -28572,7 +28573,7 @@
         <p:spPr>
           <a:xfrm>
             <a:off x="360000" y="360000"/>
-            <a:ext cx="9359280" cy="899280"/>
+            <a:ext cx="9358920" cy="898920"/>
           </a:xfrm>
           <a:prstGeom prst="rect">
             <a:avLst/>
@@ -28623,7 +28624,7 @@
         <p:spPr>
           <a:xfrm>
             <a:off x="360000" y="1980000"/>
-            <a:ext cx="9179280" cy="4679280"/>
+            <a:ext cx="9178920" cy="4678920"/>
           </a:xfrm>
           <a:prstGeom prst="rect">
             <a:avLst/>
@@ -29017,7 +29018,7 @@
         <p:spPr>
           <a:xfrm>
             <a:off x="360000" y="360000"/>
-            <a:ext cx="9359280" cy="899280"/>
+            <a:ext cx="9358920" cy="898920"/>
           </a:xfrm>
           <a:prstGeom prst="rect">
             <a:avLst/>
@@ -29068,7 +29069,7 @@
         <p:spPr>
           <a:xfrm>
             <a:off x="360000" y="1980000"/>
-            <a:ext cx="9179280" cy="4679280"/>
+            <a:ext cx="9178920" cy="4678920"/>
           </a:xfrm>
           <a:prstGeom prst="rect">
             <a:avLst/>
@@ -29290,7 +29291,7 @@
         <p:spPr>
           <a:xfrm>
             <a:off x="360000" y="360000"/>
-            <a:ext cx="9359280" cy="899280"/>
+            <a:ext cx="9358920" cy="898920"/>
           </a:xfrm>
           <a:prstGeom prst="rect">
             <a:avLst/>
@@ -29341,7 +29342,7 @@
         <p:spPr>
           <a:xfrm>
             <a:off x="360000" y="1980000"/>
-            <a:ext cx="9179280" cy="4679280"/>
+            <a:ext cx="9178920" cy="4678920"/>
           </a:xfrm>
           <a:prstGeom prst="rect">
             <a:avLst/>
@@ -29494,7 +29495,7 @@
         <p:spPr>
           <a:xfrm>
             <a:off x="360000" y="360000"/>
-            <a:ext cx="9359280" cy="899280"/>
+            <a:ext cx="9358920" cy="898920"/>
           </a:xfrm>
           <a:prstGeom prst="rect">
             <a:avLst/>
@@ -29545,7 +29546,7 @@
         <p:spPr>
           <a:xfrm>
             <a:off x="360000" y="1980000"/>
-            <a:ext cx="9179280" cy="4679280"/>
+            <a:ext cx="9178920" cy="4678920"/>
           </a:xfrm>
           <a:prstGeom prst="rect">
             <a:avLst/>
@@ -29675,7 +29676,7 @@
         <p:spPr>
           <a:xfrm>
             <a:off x="360000" y="360000"/>
-            <a:ext cx="9359280" cy="899280"/>
+            <a:ext cx="9358920" cy="898920"/>
           </a:xfrm>
           <a:prstGeom prst="rect">
             <a:avLst/>
@@ -29726,7 +29727,7 @@
         <p:spPr>
           <a:xfrm>
             <a:off x="360000" y="1980000"/>
-            <a:ext cx="9179280" cy="4679280"/>
+            <a:ext cx="9178920" cy="4678920"/>
           </a:xfrm>
           <a:prstGeom prst="rect">
             <a:avLst/>
@@ -29856,7 +29857,7 @@
         <p:spPr>
           <a:xfrm>
             <a:off x="360000" y="360000"/>
-            <a:ext cx="9359280" cy="899280"/>
+            <a:ext cx="9358920" cy="898920"/>
           </a:xfrm>
           <a:prstGeom prst="rect">
             <a:avLst/>
@@ -29907,7 +29908,7 @@
         <p:spPr>
           <a:xfrm>
             <a:off x="360000" y="1980000"/>
-            <a:ext cx="9179280" cy="4679280"/>
+            <a:ext cx="9178920" cy="4678920"/>
           </a:xfrm>
           <a:prstGeom prst="rect">
             <a:avLst/>
@@ -30037,7 +30038,7 @@
         <p:spPr>
           <a:xfrm>
             <a:off x="360000" y="360000"/>
-            <a:ext cx="9359280" cy="899280"/>
+            <a:ext cx="9358920" cy="898920"/>
           </a:xfrm>
           <a:prstGeom prst="rect">
             <a:avLst/>
@@ -30088,7 +30089,7 @@
         <p:spPr>
           <a:xfrm>
             <a:off x="360000" y="1980000"/>
-            <a:ext cx="9179280" cy="4679280"/>
+            <a:ext cx="9178920" cy="4678920"/>
           </a:xfrm>
           <a:prstGeom prst="rect">
             <a:avLst/>
@@ -30264,7 +30265,7 @@
         <p:spPr>
           <a:xfrm>
             <a:off x="360000" y="360000"/>
-            <a:ext cx="9359280" cy="899280"/>
+            <a:ext cx="9358920" cy="898920"/>
           </a:xfrm>
           <a:prstGeom prst="rect">
             <a:avLst/>
@@ -30315,7 +30316,7 @@
         <p:spPr>
           <a:xfrm>
             <a:off x="360000" y="1980000"/>
-            <a:ext cx="9179280" cy="4679280"/>
+            <a:ext cx="9178920" cy="4678920"/>
           </a:xfrm>
           <a:prstGeom prst="rect">
             <a:avLst/>
@@ -30468,7 +30469,7 @@
         <p:spPr>
           <a:xfrm>
             <a:off x="360000" y="360000"/>
-            <a:ext cx="9359280" cy="899280"/>
+            <a:ext cx="9358920" cy="898920"/>
           </a:xfrm>
           <a:prstGeom prst="rect">
             <a:avLst/>
@@ -30519,7 +30520,7 @@
         <p:spPr>
           <a:xfrm>
             <a:off x="360000" y="1980000"/>
-            <a:ext cx="9179280" cy="4679280"/>
+            <a:ext cx="9178920" cy="4678920"/>
           </a:xfrm>
           <a:prstGeom prst="rect">
             <a:avLst/>
@@ -30672,7 +30673,7 @@
         <p:spPr>
           <a:xfrm>
             <a:off x="360000" y="360000"/>
-            <a:ext cx="9359280" cy="899280"/>
+            <a:ext cx="9358920" cy="898920"/>
           </a:xfrm>
           <a:prstGeom prst="rect">
             <a:avLst/>
@@ -30723,7 +30724,7 @@
         <p:spPr>
           <a:xfrm>
             <a:off x="360000" y="1980000"/>
-            <a:ext cx="9179280" cy="4679280"/>
+            <a:ext cx="9178920" cy="4678920"/>
           </a:xfrm>
           <a:prstGeom prst="rect">
             <a:avLst/>
@@ -30899,7 +30900,7 @@
         <p:spPr>
           <a:xfrm>
             <a:off x="360000" y="360000"/>
-            <a:ext cx="9359280" cy="899280"/>
+            <a:ext cx="9358920" cy="898920"/>
           </a:xfrm>
           <a:prstGeom prst="rect">
             <a:avLst/>
@@ -30950,7 +30951,7 @@
         <p:spPr>
           <a:xfrm>
             <a:off x="360000" y="1980000"/>
-            <a:ext cx="9179280" cy="4679280"/>
+            <a:ext cx="9178920" cy="4678920"/>
           </a:xfrm>
           <a:prstGeom prst="rect">
             <a:avLst/>
@@ -31438,7 +31439,7 @@
         <p:spPr>
           <a:xfrm>
             <a:off x="360000" y="360000"/>
-            <a:ext cx="9359280" cy="899280"/>
+            <a:ext cx="9358920" cy="898920"/>
           </a:xfrm>
           <a:prstGeom prst="rect">
             <a:avLst/>
@@ -31489,7 +31490,7 @@
         <p:spPr>
           <a:xfrm>
             <a:off x="360000" y="1980000"/>
-            <a:ext cx="9179280" cy="4679280"/>
+            <a:ext cx="9178920" cy="4678920"/>
           </a:xfrm>
           <a:prstGeom prst="rect">
             <a:avLst/>
@@ -31665,7 +31666,7 @@
         <p:spPr>
           <a:xfrm>
             <a:off x="360000" y="360000"/>
-            <a:ext cx="9359280" cy="899280"/>
+            <a:ext cx="9358920" cy="898920"/>
           </a:xfrm>
           <a:prstGeom prst="rect">
             <a:avLst/>
@@ -31716,7 +31717,7 @@
         <p:spPr>
           <a:xfrm>
             <a:off x="360000" y="1980000"/>
-            <a:ext cx="9179280" cy="4679280"/>
+            <a:ext cx="9178920" cy="4678920"/>
           </a:xfrm>
           <a:prstGeom prst="rect">
             <a:avLst/>
@@ -32145,7 +32146,7 @@
         <p:spPr>
           <a:xfrm>
             <a:off x="360000" y="360000"/>
-            <a:ext cx="9359280" cy="899280"/>
+            <a:ext cx="9358920" cy="898920"/>
           </a:xfrm>
           <a:prstGeom prst="rect">
             <a:avLst/>
@@ -32196,7 +32197,7 @@
         <p:spPr>
           <a:xfrm>
             <a:off x="360000" y="1980000"/>
-            <a:ext cx="9179280" cy="4679280"/>
+            <a:ext cx="9178920" cy="4678920"/>
           </a:xfrm>
           <a:prstGeom prst="rect">
             <a:avLst/>
@@ -32369,7 +32370,7 @@
         <p:spPr>
           <a:xfrm>
             <a:off x="360000" y="360000"/>
-            <a:ext cx="9359280" cy="899280"/>
+            <a:ext cx="9358920" cy="898920"/>
           </a:xfrm>
           <a:prstGeom prst="rect">
             <a:avLst/>
@@ -32420,7 +32421,7 @@
         <p:spPr>
           <a:xfrm>
             <a:off x="360000" y="1980000"/>
-            <a:ext cx="9179280" cy="4679280"/>
+            <a:ext cx="9178920" cy="4678920"/>
           </a:xfrm>
           <a:prstGeom prst="rect">
             <a:avLst/>
@@ -32619,7 +32620,7 @@
         <p:spPr>
           <a:xfrm>
             <a:off x="360000" y="360000"/>
-            <a:ext cx="9359280" cy="899280"/>
+            <a:ext cx="9358920" cy="898920"/>
           </a:xfrm>
           <a:prstGeom prst="rect">
             <a:avLst/>
@@ -32670,7 +32671,7 @@
         <p:spPr>
           <a:xfrm>
             <a:off x="360000" y="1980000"/>
-            <a:ext cx="9179280" cy="4679280"/>
+            <a:ext cx="9178920" cy="4678920"/>
           </a:xfrm>
           <a:prstGeom prst="rect">
             <a:avLst/>
@@ -33250,7 +33251,7 @@
         <p:spPr>
           <a:xfrm>
             <a:off x="360000" y="360000"/>
-            <a:ext cx="9359280" cy="899280"/>
+            <a:ext cx="9358920" cy="898920"/>
           </a:xfrm>
           <a:prstGeom prst="rect">
             <a:avLst/>
@@ -33301,7 +33302,7 @@
         <p:spPr>
           <a:xfrm>
             <a:off x="360000" y="1980000"/>
-            <a:ext cx="9179280" cy="4679280"/>
+            <a:ext cx="9178920" cy="4678920"/>
           </a:xfrm>
           <a:prstGeom prst="rect">
             <a:avLst/>
@@ -33500,7 +33501,7 @@
         <p:spPr>
           <a:xfrm>
             <a:off x="360000" y="360000"/>
-            <a:ext cx="9359280" cy="899280"/>
+            <a:ext cx="9358920" cy="898920"/>
           </a:xfrm>
           <a:prstGeom prst="rect">
             <a:avLst/>
@@ -33551,7 +33552,7 @@
         <p:spPr>
           <a:xfrm>
             <a:off x="360000" y="1980000"/>
-            <a:ext cx="9179280" cy="4679280"/>
+            <a:ext cx="9178920" cy="4678920"/>
           </a:xfrm>
           <a:prstGeom prst="rect">
             <a:avLst/>
@@ -33681,7 +33682,7 @@
         <p:spPr>
           <a:xfrm>
             <a:off x="360000" y="360000"/>
-            <a:ext cx="9359280" cy="899280"/>
+            <a:ext cx="9358920" cy="898920"/>
           </a:xfrm>
           <a:prstGeom prst="rect">
             <a:avLst/>
@@ -33732,7 +33733,7 @@
         <p:spPr>
           <a:xfrm>
             <a:off x="360000" y="1980000"/>
-            <a:ext cx="9179280" cy="4679280"/>
+            <a:ext cx="9178920" cy="4678920"/>
           </a:xfrm>
           <a:prstGeom prst="rect">
             <a:avLst/>
@@ -33931,7 +33932,7 @@
         <p:spPr>
           <a:xfrm>
             <a:off x="360000" y="360000"/>
-            <a:ext cx="9359280" cy="899280"/>
+            <a:ext cx="9358920" cy="898920"/>
           </a:xfrm>
           <a:prstGeom prst="rect">
             <a:avLst/>
@@ -33982,7 +33983,7 @@
         <p:spPr>
           <a:xfrm>
             <a:off x="360000" y="1980000"/>
-            <a:ext cx="9179280" cy="4679280"/>
+            <a:ext cx="9178920" cy="4678920"/>
           </a:xfrm>
           <a:prstGeom prst="rect">
             <a:avLst/>
@@ -34257,7 +34258,7 @@
         <p:spPr>
           <a:xfrm>
             <a:off x="360000" y="360000"/>
-            <a:ext cx="9359280" cy="899280"/>
+            <a:ext cx="9358920" cy="898920"/>
           </a:xfrm>
           <a:prstGeom prst="rect">
             <a:avLst/>
@@ -34308,7 +34309,7 @@
         <p:spPr>
           <a:xfrm>
             <a:off x="360000" y="1980000"/>
-            <a:ext cx="9179280" cy="4679280"/>
+            <a:ext cx="9178920" cy="4678920"/>
           </a:xfrm>
           <a:prstGeom prst="rect">
             <a:avLst/>
@@ -34461,7 +34462,7 @@
         <p:spPr>
           <a:xfrm>
             <a:off x="360000" y="360000"/>
-            <a:ext cx="9359280" cy="899280"/>
+            <a:ext cx="9358920" cy="898920"/>
           </a:xfrm>
           <a:prstGeom prst="rect">
             <a:avLst/>
@@ -34512,7 +34513,7 @@
         <p:spPr>
           <a:xfrm>
             <a:off x="360000" y="1980000"/>
-            <a:ext cx="9179280" cy="4679280"/>
+            <a:ext cx="9178920" cy="4678920"/>
           </a:xfrm>
           <a:prstGeom prst="rect">
             <a:avLst/>
@@ -34688,7 +34689,7 @@
         <p:spPr>
           <a:xfrm>
             <a:off x="360000" y="360000"/>
-            <a:ext cx="9359280" cy="899280"/>
+            <a:ext cx="9358920" cy="898920"/>
           </a:xfrm>
           <a:prstGeom prst="rect">
             <a:avLst/>
@@ -34739,7 +34740,7 @@
         <p:spPr>
           <a:xfrm>
             <a:off x="360000" y="1980000"/>
-            <a:ext cx="9179280" cy="4679280"/>
+            <a:ext cx="9178920" cy="4678920"/>
           </a:xfrm>
           <a:prstGeom prst="rect">
             <a:avLst/>
@@ -34915,7 +34916,7 @@
         <p:spPr>
           <a:xfrm>
             <a:off x="360000" y="360000"/>
-            <a:ext cx="9359280" cy="899280"/>
+            <a:ext cx="9358920" cy="898920"/>
           </a:xfrm>
           <a:prstGeom prst="rect">
             <a:avLst/>
@@ -34966,7 +34967,7 @@
         <p:spPr>
           <a:xfrm>
             <a:off x="360000" y="1980000"/>
-            <a:ext cx="9179280" cy="4679280"/>
+            <a:ext cx="9178920" cy="4678920"/>
           </a:xfrm>
           <a:prstGeom prst="rect">
             <a:avLst/>
@@ -35419,7 +35420,7 @@
         <p:spPr>
           <a:xfrm>
             <a:off x="360000" y="360000"/>
-            <a:ext cx="9359280" cy="899280"/>
+            <a:ext cx="9358920" cy="898920"/>
           </a:xfrm>
           <a:prstGeom prst="rect">
             <a:avLst/>
@@ -35470,7 +35471,7 @@
         <p:spPr>
           <a:xfrm>
             <a:off x="360000" y="1980000"/>
-            <a:ext cx="9179280" cy="4679280"/>
+            <a:ext cx="9178920" cy="4678920"/>
           </a:xfrm>
           <a:prstGeom prst="rect">
             <a:avLst/>
@@ -36027,7 +36028,7 @@
         <p:spPr>
           <a:xfrm>
             <a:off x="360000" y="360000"/>
-            <a:ext cx="9359280" cy="899280"/>
+            <a:ext cx="9358920" cy="898920"/>
           </a:xfrm>
           <a:prstGeom prst="rect">
             <a:avLst/>
@@ -36078,7 +36079,7 @@
         <p:spPr>
           <a:xfrm>
             <a:off x="360000" y="1980000"/>
-            <a:ext cx="9179280" cy="4679280"/>
+            <a:ext cx="9178920" cy="4678920"/>
           </a:xfrm>
           <a:prstGeom prst="rect">
             <a:avLst/>
@@ -36254,7 +36255,7 @@
         <p:spPr>
           <a:xfrm>
             <a:off x="360000" y="360000"/>
-            <a:ext cx="9359280" cy="899280"/>
+            <a:ext cx="9358920" cy="898920"/>
           </a:xfrm>
           <a:prstGeom prst="rect">
             <a:avLst/>
@@ -36305,7 +36306,7 @@
         <p:spPr>
           <a:xfrm>
             <a:off x="360000" y="1980000"/>
-            <a:ext cx="9179280" cy="4679280"/>
+            <a:ext cx="9178920" cy="4678920"/>
           </a:xfrm>
           <a:prstGeom prst="rect">
             <a:avLst/>
@@ -36435,7 +36436,7 @@
         <p:spPr>
           <a:xfrm>
             <a:off x="360000" y="360000"/>
-            <a:ext cx="9359280" cy="899280"/>
+            <a:ext cx="9358920" cy="898920"/>
           </a:xfrm>
           <a:prstGeom prst="rect">
             <a:avLst/>
@@ -36486,7 +36487,7 @@
         <p:spPr>
           <a:xfrm>
             <a:off x="360000" y="1980000"/>
-            <a:ext cx="9179280" cy="4679280"/>
+            <a:ext cx="9178920" cy="4678920"/>
           </a:xfrm>
           <a:prstGeom prst="rect">
             <a:avLst/>
@@ -36751,7 +36752,7 @@
         <p:spPr>
           <a:xfrm>
             <a:off x="360000" y="360000"/>
-            <a:ext cx="9359280" cy="899280"/>
+            <a:ext cx="9358920" cy="898920"/>
           </a:xfrm>
           <a:prstGeom prst="rect">
             <a:avLst/>
@@ -36802,7 +36803,7 @@
         <p:spPr>
           <a:xfrm>
             <a:off x="360000" y="1980000"/>
-            <a:ext cx="9179280" cy="4679280"/>
+            <a:ext cx="9178920" cy="4678920"/>
           </a:xfrm>
           <a:prstGeom prst="rect">
             <a:avLst/>
@@ -37031,7 +37032,7 @@
         <p:spPr>
           <a:xfrm>
             <a:off x="360000" y="360000"/>
-            <a:ext cx="9359280" cy="899280"/>
+            <a:ext cx="9358920" cy="898920"/>
           </a:xfrm>
           <a:prstGeom prst="rect">
             <a:avLst/>
@@ -37082,7 +37083,7 @@
         <p:spPr>
           <a:xfrm>
             <a:off x="360000" y="1980000"/>
-            <a:ext cx="9179280" cy="4679280"/>
+            <a:ext cx="9178920" cy="4678920"/>
           </a:xfrm>
           <a:prstGeom prst="rect">
             <a:avLst/>
@@ -37100,7 +37101,7 @@
         </p:style>
         <p:txBody>
           <a:bodyPr lIns="0" rIns="0" tIns="0" bIns="0">
-            <a:normAutofit/>
+            <a:normAutofit fontScale="97000"/>
           </a:bodyPr>
           <a:p>
             <a:pPr>
@@ -37119,7 +37120,7 @@
                 <a:latin typeface="Ubuntu Mono"/>
                 <a:ea typeface="DejaVu Sans"/>
               </a:rPr>
-              <a:t>Note: This is probably a BUG, because after dropping a kernel feature (preemptivity), the strange call by the RCU-related function in the object file disappeared. </a:t>
+              <a:t>Note: This is probably a feature, because after dropping a kernel feature (preemptivity), the strange call by the RCU-related function in the object file disappeared. Probably related to resource deallocation due to preemption.</a:t>
             </a:r>
             <a:endParaRPr b="0" lang="it-IT" sz="2600" spc="-1" strike="noStrike">
               <a:latin typeface="Arial"/>
@@ -37212,29 +37213,6 @@
                 <a:ea typeface="DejaVu Sans"/>
               </a:rPr>
               <a:t>Finally, compile out the syscall entry point (SYSCALL_DEFINE.(&lt;syscall&gt;, ...)).</a:t>
-            </a:r>
-            <a:endParaRPr b="0" lang="it-IT" sz="2600" spc="-1" strike="noStrike">
-              <a:latin typeface="Arial"/>
-            </a:endParaRPr>
-          </a:p>
-          <a:p>
-            <a:pPr>
-              <a:lnSpc>
-                <a:spcPct val="100000"/>
-              </a:lnSpc>
-              <a:spcAft>
-                <a:spcPts val="1142"/>
-              </a:spcAft>
-            </a:pPr>
-            <a:r>
-              <a:rPr b="1" lang="it-IT" sz="2600" spc="-1" strike="noStrike">
-                <a:solidFill>
-                  <a:srgbClr val="1c1c1c"/>
-                </a:solidFill>
-                <a:latin typeface="Ubuntu Mono"/>
-                <a:ea typeface="DejaVu Sans"/>
-              </a:rPr>
-              <a:t> </a:t>
             </a:r>
             <a:endParaRPr b="0" lang="it-IT" sz="2600" spc="-1" strike="noStrike">
               <a:latin typeface="Arial"/>
@@ -37304,7 +37282,7 @@
         <p:spPr>
           <a:xfrm>
             <a:off x="360000" y="360000"/>
-            <a:ext cx="9359280" cy="899280"/>
+            <a:ext cx="9358920" cy="898920"/>
           </a:xfrm>
           <a:prstGeom prst="rect">
             <a:avLst/>
@@ -37355,7 +37333,7 @@
         <p:spPr>
           <a:xfrm>
             <a:off x="360000" y="1980000"/>
-            <a:ext cx="9179280" cy="4679280"/>
+            <a:ext cx="9178920" cy="4678920"/>
           </a:xfrm>
           <a:prstGeom prst="rect">
             <a:avLst/>
@@ -37630,7 +37608,7 @@
         <p:spPr>
           <a:xfrm>
             <a:off x="360000" y="360000"/>
-            <a:ext cx="9359280" cy="899280"/>
+            <a:ext cx="9358920" cy="898920"/>
           </a:xfrm>
           <a:prstGeom prst="rect">
             <a:avLst/>
@@ -37681,7 +37659,7 @@
         <p:spPr>
           <a:xfrm>
             <a:off x="360000" y="1980000"/>
-            <a:ext cx="9179280" cy="4679280"/>
+            <a:ext cx="9178920" cy="4678920"/>
           </a:xfrm>
           <a:prstGeom prst="rect">
             <a:avLst/>
@@ -37992,7 +37970,7 @@
         <p:spPr>
           <a:xfrm>
             <a:off x="360000" y="360000"/>
-            <a:ext cx="9359280" cy="899280"/>
+            <a:ext cx="9358920" cy="898920"/>
           </a:xfrm>
           <a:prstGeom prst="rect">
             <a:avLst/>
@@ -38043,7 +38021,7 @@
         <p:spPr>
           <a:xfrm>
             <a:off x="360000" y="1980000"/>
-            <a:ext cx="9179280" cy="4679280"/>
+            <a:ext cx="9178920" cy="4678920"/>
           </a:xfrm>
           <a:prstGeom prst="rect">
             <a:avLst/>
@@ -38334,7 +38312,7 @@
         <p:spPr>
           <a:xfrm>
             <a:off x="360000" y="360000"/>
-            <a:ext cx="9359280" cy="899280"/>
+            <a:ext cx="9358920" cy="898920"/>
           </a:xfrm>
           <a:prstGeom prst="rect">
             <a:avLst/>
@@ -38385,7 +38363,7 @@
         <p:spPr>
           <a:xfrm>
             <a:off x="360000" y="1980000"/>
-            <a:ext cx="9179280" cy="4679280"/>
+            <a:ext cx="9178920" cy="4678920"/>
           </a:xfrm>
           <a:prstGeom prst="rect">
             <a:avLst/>
@@ -38538,7 +38516,7 @@
         <p:spPr>
           <a:xfrm>
             <a:off x="360000" y="360000"/>
-            <a:ext cx="9359280" cy="899280"/>
+            <a:ext cx="9358920" cy="898920"/>
           </a:xfrm>
           <a:prstGeom prst="rect">
             <a:avLst/>
@@ -38589,7 +38567,7 @@
         <p:spPr>
           <a:xfrm>
             <a:off x="360000" y="1980000"/>
-            <a:ext cx="9179280" cy="4679280"/>
+            <a:ext cx="9178920" cy="4678920"/>
           </a:xfrm>
           <a:prstGeom prst="rect">
             <a:avLst/>
@@ -38775,7 +38753,7 @@
         <p:spPr>
           <a:xfrm>
             <a:off x="360000" y="360000"/>
-            <a:ext cx="9359280" cy="899280"/>
+            <a:ext cx="9358920" cy="898920"/>
           </a:xfrm>
           <a:prstGeom prst="rect">
             <a:avLst/>
@@ -38826,7 +38804,7 @@
         <p:spPr>
           <a:xfrm>
             <a:off x="360000" y="1980000"/>
-            <a:ext cx="9179280" cy="4679280"/>
+            <a:ext cx="9178920" cy="4678920"/>
           </a:xfrm>
           <a:prstGeom prst="rect">
             <a:avLst/>
@@ -39290,7 +39268,7 @@
         <p:spPr>
           <a:xfrm>
             <a:off x="360000" y="360000"/>
-            <a:ext cx="9359280" cy="899280"/>
+            <a:ext cx="9358920" cy="898920"/>
           </a:xfrm>
           <a:prstGeom prst="rect">
             <a:avLst/>
@@ -39341,7 +39319,7 @@
         <p:spPr>
           <a:xfrm>
             <a:off x="360000" y="1980000"/>
-            <a:ext cx="9179280" cy="4679280"/>
+            <a:ext cx="9178920" cy="4678920"/>
           </a:xfrm>
           <a:prstGeom prst="rect">
             <a:avLst/>
@@ -39937,7 +39915,7 @@
         <p:spPr>
           <a:xfrm>
             <a:off x="360000" y="360000"/>
-            <a:ext cx="9359280" cy="899280"/>
+            <a:ext cx="9358920" cy="898920"/>
           </a:xfrm>
           <a:prstGeom prst="rect">
             <a:avLst/>
@@ -39988,7 +39966,7 @@
         <p:spPr>
           <a:xfrm>
             <a:off x="360000" y="1980000"/>
-            <a:ext cx="9179280" cy="4679280"/>
+            <a:ext cx="9178920" cy="4678920"/>
           </a:xfrm>
           <a:prstGeom prst="rect">
             <a:avLst/>
@@ -40141,7 +40119,7 @@
         <p:spPr>
           <a:xfrm>
             <a:off x="360000" y="360000"/>
-            <a:ext cx="9359280" cy="899280"/>
+            <a:ext cx="9358920" cy="898920"/>
           </a:xfrm>
           <a:prstGeom prst="rect">
             <a:avLst/>
@@ -40192,7 +40170,7 @@
         <p:spPr>
           <a:xfrm>
             <a:off x="360000" y="1980000"/>
-            <a:ext cx="9179280" cy="4679280"/>
+            <a:ext cx="9178920" cy="4678920"/>
           </a:xfrm>
           <a:prstGeom prst="rect">
             <a:avLst/>
@@ -40824,7 +40802,7 @@
         <p:spPr>
           <a:xfrm>
             <a:off x="360000" y="360000"/>
-            <a:ext cx="9359280" cy="899280"/>
+            <a:ext cx="9358920" cy="898920"/>
           </a:xfrm>
           <a:prstGeom prst="rect">
             <a:avLst/>
@@ -40875,7 +40853,7 @@
         <p:spPr>
           <a:xfrm>
             <a:off x="3816000" y="1944000"/>
-            <a:ext cx="5831280" cy="4679280"/>
+            <a:ext cx="5830920" cy="4678920"/>
           </a:xfrm>
           <a:prstGeom prst="rect">
             <a:avLst/>
@@ -41417,7 +41395,7 @@
         <p:spPr>
           <a:xfrm>
             <a:off x="349920" y="1980000"/>
-            <a:ext cx="3095280" cy="4679280"/>
+            <a:ext cx="3094920" cy="4678920"/>
           </a:xfrm>
           <a:prstGeom prst="rect">
             <a:avLst/>
@@ -41593,7 +41571,7 @@
         <p:spPr>
           <a:xfrm>
             <a:off x="360000" y="360000"/>
-            <a:ext cx="9359280" cy="899280"/>
+            <a:ext cx="9358920" cy="898920"/>
           </a:xfrm>
           <a:prstGeom prst="rect">
             <a:avLst/>
@@ -41644,7 +41622,7 @@
         <p:spPr>
           <a:xfrm>
             <a:off x="360000" y="1980000"/>
-            <a:ext cx="9179280" cy="4679280"/>
+            <a:ext cx="9178920" cy="4678920"/>
           </a:xfrm>
           <a:prstGeom prst="rect">
             <a:avLst/>
@@ -41774,7 +41752,7 @@
         <p:spPr>
           <a:xfrm>
             <a:off x="360000" y="360000"/>
-            <a:ext cx="9359280" cy="899280"/>
+            <a:ext cx="9358920" cy="898920"/>
           </a:xfrm>
           <a:prstGeom prst="rect">
             <a:avLst/>
@@ -41825,7 +41803,7 @@
         <p:spPr>
           <a:xfrm>
             <a:off x="360000" y="1980000"/>
-            <a:ext cx="9179280" cy="4679280"/>
+            <a:ext cx="9178920" cy="4678920"/>
           </a:xfrm>
           <a:prstGeom prst="rect">
             <a:avLst/>
@@ -41955,7 +41933,7 @@
         <p:spPr>
           <a:xfrm>
             <a:off x="360000" y="360000"/>
-            <a:ext cx="9359280" cy="899280"/>
+            <a:ext cx="9358920" cy="898920"/>
           </a:xfrm>
           <a:prstGeom prst="rect">
             <a:avLst/>
@@ -42006,7 +41984,7 @@
         <p:spPr>
           <a:xfrm>
             <a:off x="360000" y="1980000"/>
-            <a:ext cx="9179280" cy="4679280"/>
+            <a:ext cx="9178920" cy="4678920"/>
           </a:xfrm>
           <a:prstGeom prst="rect">
             <a:avLst/>
@@ -42671,7 +42649,7 @@
         <p:spPr>
           <a:xfrm>
             <a:off x="360000" y="360000"/>
-            <a:ext cx="9359280" cy="899280"/>
+            <a:ext cx="9358920" cy="898920"/>
           </a:xfrm>
           <a:prstGeom prst="rect">
             <a:avLst/>
@@ -42722,7 +42700,7 @@
         <p:spPr>
           <a:xfrm>
             <a:off x="360000" y="1980000"/>
-            <a:ext cx="9179280" cy="4679280"/>
+            <a:ext cx="9178920" cy="4678920"/>
           </a:xfrm>
           <a:prstGeom prst="rect">
             <a:avLst/>
@@ -43245,7 +43223,7 @@
         <p:spPr>
           <a:xfrm>
             <a:off x="360000" y="360000"/>
-            <a:ext cx="9359280" cy="899280"/>
+            <a:ext cx="9358920" cy="898920"/>
           </a:xfrm>
           <a:prstGeom prst="rect">
             <a:avLst/>
@@ -43296,7 +43274,7 @@
         <p:spPr>
           <a:xfrm>
             <a:off x="360000" y="1980000"/>
-            <a:ext cx="9179280" cy="4679280"/>
+            <a:ext cx="9178920" cy="4678920"/>
           </a:xfrm>
           <a:prstGeom prst="rect">
             <a:avLst/>
@@ -43720,7 +43698,7 @@
         <p:spPr>
           <a:xfrm>
             <a:off x="360000" y="360000"/>
-            <a:ext cx="9359280" cy="899280"/>
+            <a:ext cx="9358920" cy="898920"/>
           </a:xfrm>
           <a:prstGeom prst="rect">
             <a:avLst/>
@@ -43771,7 +43749,7 @@
         <p:spPr>
           <a:xfrm>
             <a:off x="360000" y="1980000"/>
-            <a:ext cx="9179280" cy="4679280"/>
+            <a:ext cx="9178920" cy="4678920"/>
           </a:xfrm>
           <a:prstGeom prst="rect">
             <a:avLst/>
@@ -44195,7 +44173,7 @@
         <p:spPr>
           <a:xfrm>
             <a:off x="360000" y="360000"/>
-            <a:ext cx="9359280" cy="899280"/>
+            <a:ext cx="9358920" cy="898920"/>
           </a:xfrm>
           <a:prstGeom prst="rect">
             <a:avLst/>
@@ -44246,7 +44224,7 @@
         <p:spPr>
           <a:xfrm>
             <a:off x="360000" y="1980000"/>
-            <a:ext cx="9179280" cy="4679280"/>
+            <a:ext cx="9178920" cy="4678920"/>
           </a:xfrm>
           <a:prstGeom prst="rect">
             <a:avLst/>
@@ -44693,7 +44671,7 @@
         <p:spPr>
           <a:xfrm>
             <a:off x="360000" y="360000"/>
-            <a:ext cx="9359280" cy="899280"/>
+            <a:ext cx="9358920" cy="898920"/>
           </a:xfrm>
           <a:prstGeom prst="rect">
             <a:avLst/>
@@ -44744,7 +44722,7 @@
         <p:spPr>
           <a:xfrm>
             <a:off x="360000" y="1980000"/>
-            <a:ext cx="9179280" cy="4679280"/>
+            <a:ext cx="9178920" cy="4678920"/>
           </a:xfrm>
           <a:prstGeom prst="rect">
             <a:avLst/>
@@ -45168,7 +45146,7 @@
         <p:spPr>
           <a:xfrm>
             <a:off x="360000" y="360000"/>
-            <a:ext cx="9359280" cy="899280"/>
+            <a:ext cx="9358920" cy="898920"/>
           </a:xfrm>
           <a:prstGeom prst="rect">
             <a:avLst/>
@@ -45219,7 +45197,7 @@
         <p:spPr>
           <a:xfrm>
             <a:off x="360000" y="1980000"/>
-            <a:ext cx="9179280" cy="4679280"/>
+            <a:ext cx="9178920" cy="4678920"/>
           </a:xfrm>
           <a:prstGeom prst="rect">
             <a:avLst/>
@@ -45676,7 +45654,7 @@
         <p:spPr>
           <a:xfrm>
             <a:off x="360000" y="360000"/>
-            <a:ext cx="9359280" cy="899280"/>
+            <a:ext cx="9358920" cy="898920"/>
           </a:xfrm>
           <a:prstGeom prst="rect">
             <a:avLst/>
@@ -45727,7 +45705,7 @@
         <p:spPr>
           <a:xfrm>
             <a:off x="360000" y="1980000"/>
-            <a:ext cx="9179280" cy="4679280"/>
+            <a:ext cx="9178920" cy="4678920"/>
           </a:xfrm>
           <a:prstGeom prst="rect">
             <a:avLst/>
@@ -46019,7 +45997,7 @@
         <p:spPr>
           <a:xfrm>
             <a:off x="360000" y="360000"/>
-            <a:ext cx="9359280" cy="899280"/>
+            <a:ext cx="9358920" cy="898920"/>
           </a:xfrm>
           <a:prstGeom prst="rect">
             <a:avLst/>
@@ -46070,7 +46048,7 @@
         <p:spPr>
           <a:xfrm>
             <a:off x="3816000" y="1944000"/>
-            <a:ext cx="5831280" cy="4679280"/>
+            <a:ext cx="5830920" cy="4678920"/>
           </a:xfrm>
           <a:prstGeom prst="rect">
             <a:avLst/>
@@ -46612,7 +46590,7 @@
         <p:spPr>
           <a:xfrm>
             <a:off x="349920" y="1980000"/>
-            <a:ext cx="3095280" cy="4679280"/>
+            <a:ext cx="3094920" cy="4678920"/>
           </a:xfrm>
           <a:prstGeom prst="rect">
             <a:avLst/>
@@ -46719,7 +46697,7 @@
         <p:spPr>
           <a:xfrm>
             <a:off x="360000" y="360000"/>
-            <a:ext cx="9359280" cy="899280"/>
+            <a:ext cx="9358920" cy="898920"/>
           </a:xfrm>
           <a:prstGeom prst="rect">
             <a:avLst/>
@@ -46770,7 +46748,7 @@
         <p:spPr>
           <a:xfrm>
             <a:off x="360000" y="1980000"/>
-            <a:ext cx="9179280" cy="4679280"/>
+            <a:ext cx="9178920" cy="4678920"/>
           </a:xfrm>
           <a:prstGeom prst="rect">
             <a:avLst/>
@@ -47260,7 +47238,7 @@
         <p:spPr>
           <a:xfrm>
             <a:off x="360000" y="360000"/>
-            <a:ext cx="9359280" cy="899280"/>
+            <a:ext cx="9358920" cy="898920"/>
           </a:xfrm>
           <a:prstGeom prst="rect">
             <a:avLst/>
@@ -47311,7 +47289,7 @@
         <p:spPr>
           <a:xfrm>
             <a:off x="360000" y="1980000"/>
-            <a:ext cx="9179280" cy="4679280"/>
+            <a:ext cx="9178920" cy="4678920"/>
           </a:xfrm>
           <a:prstGeom prst="rect">
             <a:avLst/>
@@ -47845,7 +47823,7 @@
         <p:spPr>
           <a:xfrm>
             <a:off x="360000" y="360000"/>
-            <a:ext cx="9359280" cy="899280"/>
+            <a:ext cx="9358920" cy="898920"/>
           </a:xfrm>
           <a:prstGeom prst="rect">
             <a:avLst/>
@@ -47896,7 +47874,7 @@
         <p:spPr>
           <a:xfrm>
             <a:off x="360000" y="1980000"/>
-            <a:ext cx="9179280" cy="4679280"/>
+            <a:ext cx="9178920" cy="4678920"/>
           </a:xfrm>
           <a:prstGeom prst="rect">
             <a:avLst/>
@@ -48210,7 +48188,7 @@
         <p:spPr>
           <a:xfrm>
             <a:off x="360000" y="360000"/>
-            <a:ext cx="9359280" cy="899280"/>
+            <a:ext cx="9358920" cy="898920"/>
           </a:xfrm>
           <a:prstGeom prst="rect">
             <a:avLst/>
@@ -48261,7 +48239,7 @@
         <p:spPr>
           <a:xfrm>
             <a:off x="360000" y="1980000"/>
-            <a:ext cx="9179280" cy="4679280"/>
+            <a:ext cx="9178920" cy="4678920"/>
           </a:xfrm>
           <a:prstGeom prst="rect">
             <a:avLst/>
@@ -48552,7 +48530,7 @@
         <p:spPr>
           <a:xfrm>
             <a:off x="360000" y="360000"/>
-            <a:ext cx="9359280" cy="899280"/>
+            <a:ext cx="9358920" cy="898920"/>
           </a:xfrm>
           <a:prstGeom prst="rect">
             <a:avLst/>
@@ -48603,7 +48581,7 @@
         <p:spPr>
           <a:xfrm>
             <a:off x="360000" y="1980000"/>
-            <a:ext cx="9179280" cy="4679280"/>
+            <a:ext cx="9178920" cy="4678920"/>
           </a:xfrm>
           <a:prstGeom prst="rect">
             <a:avLst/>
@@ -48779,7 +48757,7 @@
         <p:spPr>
           <a:xfrm>
             <a:off x="360000" y="360000"/>
-            <a:ext cx="9359280" cy="899280"/>
+            <a:ext cx="9358920" cy="898920"/>
           </a:xfrm>
           <a:prstGeom prst="rect">
             <a:avLst/>
@@ -48830,7 +48808,7 @@
         <p:spPr>
           <a:xfrm>
             <a:off x="360000" y="1980000"/>
-            <a:ext cx="9179280" cy="4679280"/>
+            <a:ext cx="9178920" cy="4678920"/>
           </a:xfrm>
           <a:prstGeom prst="rect">
             <a:avLst/>
@@ -48960,7 +48938,7 @@
         <p:spPr>
           <a:xfrm>
             <a:off x="360000" y="360000"/>
-            <a:ext cx="9359280" cy="899280"/>
+            <a:ext cx="9358920" cy="898920"/>
           </a:xfrm>
           <a:prstGeom prst="rect">
             <a:avLst/>
@@ -49011,7 +48989,7 @@
         <p:spPr>
           <a:xfrm>
             <a:off x="360000" y="1980000"/>
-            <a:ext cx="9179280" cy="4679280"/>
+            <a:ext cx="9178920" cy="4678920"/>
           </a:xfrm>
           <a:prstGeom prst="rect">
             <a:avLst/>
@@ -49164,7 +49142,7 @@
         <p:spPr>
           <a:xfrm>
             <a:off x="360000" y="360000"/>
-            <a:ext cx="9359280" cy="899280"/>
+            <a:ext cx="9358920" cy="898920"/>
           </a:xfrm>
           <a:prstGeom prst="rect">
             <a:avLst/>
@@ -49215,7 +49193,7 @@
         <p:spPr>
           <a:xfrm>
             <a:off x="360000" y="1980000"/>
-            <a:ext cx="9179280" cy="4679280"/>
+            <a:ext cx="9178920" cy="4678920"/>
           </a:xfrm>
           <a:prstGeom prst="rect">
             <a:avLst/>
@@ -49714,7 +49692,7 @@
         <p:spPr>
           <a:xfrm>
             <a:off x="360000" y="360000"/>
-            <a:ext cx="9359280" cy="899280"/>
+            <a:ext cx="9358920" cy="898920"/>
           </a:xfrm>
           <a:prstGeom prst="rect">
             <a:avLst/>
@@ -49765,7 +49743,7 @@
         <p:spPr>
           <a:xfrm>
             <a:off x="360000" y="1980000"/>
-            <a:ext cx="9179280" cy="4679280"/>
+            <a:ext cx="9178920" cy="4678920"/>
           </a:xfrm>
           <a:prstGeom prst="rect">
             <a:avLst/>
@@ -50102,7 +50080,7 @@
         <p:spPr>
           <a:xfrm>
             <a:off x="360000" y="360000"/>
-            <a:ext cx="9359280" cy="899280"/>
+            <a:ext cx="9358920" cy="898920"/>
           </a:xfrm>
           <a:prstGeom prst="rect">
             <a:avLst/>
@@ -50153,7 +50131,7 @@
         <p:spPr>
           <a:xfrm>
             <a:off x="360000" y="1980000"/>
-            <a:ext cx="9179280" cy="4679280"/>
+            <a:ext cx="9178920" cy="4678920"/>
           </a:xfrm>
           <a:prstGeom prst="rect">
             <a:avLst/>
